--- a/ppt/BigData06-Hadoop.pptx
+++ b/ppt/BigData06-Hadoop.pptx
@@ -5,37 +5,35 @@
     <p:sldMasterId id="2147483653" r:id="rId1"/>
   </p:sldMasterIdLst>
   <p:notesMasterIdLst>
-    <p:notesMasterId r:id="rId27"/>
+    <p:notesMasterId r:id="rId25"/>
   </p:notesMasterIdLst>
   <p:handoutMasterIdLst>
-    <p:handoutMasterId r:id="rId28"/>
+    <p:handoutMasterId r:id="rId26"/>
   </p:handoutMasterIdLst>
   <p:sldIdLst>
     <p:sldId id="264" r:id="rId2"/>
-    <p:sldId id="324" r:id="rId3"/>
-    <p:sldId id="265" r:id="rId4"/>
-    <p:sldId id="266" r:id="rId5"/>
-    <p:sldId id="267" r:id="rId6"/>
-    <p:sldId id="269" r:id="rId7"/>
-    <p:sldId id="270" r:id="rId8"/>
-    <p:sldId id="271" r:id="rId9"/>
-    <p:sldId id="272" r:id="rId10"/>
-    <p:sldId id="273" r:id="rId11"/>
-    <p:sldId id="274" r:id="rId12"/>
-    <p:sldId id="268" r:id="rId13"/>
-    <p:sldId id="282" r:id="rId14"/>
-    <p:sldId id="283" r:id="rId15"/>
-    <p:sldId id="284" r:id="rId16"/>
-    <p:sldId id="285" r:id="rId17"/>
-    <p:sldId id="295" r:id="rId18"/>
-    <p:sldId id="281" r:id="rId19"/>
-    <p:sldId id="323" r:id="rId20"/>
-    <p:sldId id="307" r:id="rId21"/>
-    <p:sldId id="297" r:id="rId22"/>
-    <p:sldId id="298" r:id="rId23"/>
-    <p:sldId id="299" r:id="rId24"/>
-    <p:sldId id="304" r:id="rId25"/>
-    <p:sldId id="309" r:id="rId26"/>
+    <p:sldId id="265" r:id="rId3"/>
+    <p:sldId id="266" r:id="rId4"/>
+    <p:sldId id="267" r:id="rId5"/>
+    <p:sldId id="269" r:id="rId6"/>
+    <p:sldId id="270" r:id="rId7"/>
+    <p:sldId id="271" r:id="rId8"/>
+    <p:sldId id="272" r:id="rId9"/>
+    <p:sldId id="273" r:id="rId10"/>
+    <p:sldId id="274" r:id="rId11"/>
+    <p:sldId id="268" r:id="rId12"/>
+    <p:sldId id="308" r:id="rId13"/>
+    <p:sldId id="307" r:id="rId14"/>
+    <p:sldId id="297" r:id="rId15"/>
+    <p:sldId id="298" r:id="rId16"/>
+    <p:sldId id="299" r:id="rId17"/>
+    <p:sldId id="282" r:id="rId18"/>
+    <p:sldId id="283" r:id="rId19"/>
+    <p:sldId id="284" r:id="rId20"/>
+    <p:sldId id="285" r:id="rId21"/>
+    <p:sldId id="295" r:id="rId22"/>
+    <p:sldId id="281" r:id="rId23"/>
+    <p:sldId id="304" r:id="rId24"/>
   </p:sldIdLst>
   <p:sldSz cx="9144000" cy="6858000" type="screen4x3"/>
   <p:notesSz cx="6648450" cy="9782175"/>
@@ -1182,7 +1180,7 @@
           <a:p>
             <a:fld id="{A0ABDEA8-EB22-42D4-B8E2-0C26FFC92FC1}" type="datetimeFigureOut">
               <a:rPr lang="fr-FR" smtClean="0"/>
-              <a:t>13/07/2025</a:t>
+              <a:t>14/07/2025</a:t>
             </a:fld>
             <a:endParaRPr lang="fr-FR"/>
           </a:p>
@@ -4179,101 +4177,6 @@
           <a:p>
             <a:r>
               <a:rPr lang="fr-FR" dirty="0"/>
-              <a:t>Exemple HDFS</a:t>
-            </a:r>
-          </a:p>
-        </p:txBody>
-      </p:sp>
-      <p:pic>
-        <p:nvPicPr>
-          <p:cNvPr id="2050" name="Picture 2" descr="https://user.oc-static.com/upload/2017/08/03/15017751645123_hdfs-read.jpeg"/>
-          <p:cNvPicPr>
-            <a:picLocks noGrp="1" noChangeAspect="1" noChangeArrowheads="1"/>
-          </p:cNvPicPr>
-          <p:nvPr>
-            <p:ph idx="1"/>
-          </p:nvPr>
-        </p:nvPicPr>
-        <p:blipFill>
-          <a:blip r:embed="rId2">
-            <a:extLst>
-              <a:ext uri="{28A0092B-C50C-407E-A947-70E740481C1C}">
-                <a14:useLocalDpi xmlns:a14="http://schemas.microsoft.com/office/drawing/2010/main" val="0"/>
-              </a:ext>
-            </a:extLst>
-          </a:blip>
-          <a:srcRect/>
-          <a:stretch>
-            <a:fillRect/>
-          </a:stretch>
-        </p:blipFill>
-        <p:spPr bwMode="auto">
-          <a:xfrm>
-            <a:off x="1032295" y="1412875"/>
-            <a:ext cx="7060360" cy="5040313"/>
-          </a:xfrm>
-          <a:prstGeom prst="rect">
-            <a:avLst/>
-          </a:prstGeom>
-          <a:noFill/>
-          <a:extLst>
-            <a:ext uri="{909E8E84-426E-40DD-AFC4-6F175D3DCCD1}">
-              <a14:hiddenFill xmlns:a14="http://schemas.microsoft.com/office/drawing/2010/main">
-                <a:solidFill>
-                  <a:srgbClr val="FFFFFF"/>
-                </a:solidFill>
-              </a14:hiddenFill>
-            </a:ext>
-          </a:extLst>
-        </p:spPr>
-      </p:pic>
-    </p:spTree>
-    <p:extLst>
-      <p:ext uri="{BB962C8B-B14F-4D97-AF65-F5344CB8AC3E}">
-        <p14:creationId xmlns:p14="http://schemas.microsoft.com/office/powerpoint/2010/main" val="2528241978"/>
-      </p:ext>
-    </p:extLst>
-  </p:cSld>
-  <p:clrMapOvr>
-    <a:masterClrMapping/>
-  </p:clrMapOvr>
-</p:sld>
-</file>
-
-<file path=ppt/slides/slide11.xml><?xml version="1.0" encoding="utf-8"?>
-<p:sld xmlns:a="http://schemas.openxmlformats.org/drawingml/2006/main" xmlns:r="http://schemas.openxmlformats.org/officeDocument/2006/relationships" xmlns:p="http://schemas.openxmlformats.org/presentationml/2006/main">
-  <p:cSld>
-    <p:spTree>
-      <p:nvGrpSpPr>
-        <p:cNvPr id="1" name=""/>
-        <p:cNvGrpSpPr/>
-        <p:nvPr/>
-      </p:nvGrpSpPr>
-      <p:grpSpPr>
-        <a:xfrm>
-          <a:off x="0" y="0"/>
-          <a:ext cx="0" cy="0"/>
-          <a:chOff x="0" y="0"/>
-          <a:chExt cx="0" cy="0"/>
-        </a:xfrm>
-      </p:grpSpPr>
-      <p:sp>
-        <p:nvSpPr>
-          <p:cNvPr id="2" name="Titre 1"/>
-          <p:cNvSpPr>
-            <a:spLocks noGrp="1"/>
-          </p:cNvSpPr>
-          <p:nvPr>
-            <p:ph type="title"/>
-          </p:nvPr>
-        </p:nvSpPr>
-        <p:spPr/>
-        <p:txBody>
-          <a:bodyPr/>
-          <a:lstStyle/>
-          <a:p>
-            <a:r>
-              <a:rPr lang="fr-FR" dirty="0"/>
               <a:t>Exemple d’écriture</a:t>
             </a:r>
           </a:p>
@@ -4355,6 +4258,276 @@
 </p:sld>
 </file>
 
+<file path=ppt/slides/slide11.xml><?xml version="1.0" encoding="utf-8"?>
+<p:sld xmlns:a="http://schemas.openxmlformats.org/drawingml/2006/main" xmlns:r="http://schemas.openxmlformats.org/officeDocument/2006/relationships" xmlns:p="http://schemas.openxmlformats.org/presentationml/2006/main">
+  <p:cSld>
+    <p:spTree>
+      <p:nvGrpSpPr>
+        <p:cNvPr id="1" name=""/>
+        <p:cNvGrpSpPr/>
+        <p:nvPr/>
+      </p:nvGrpSpPr>
+      <p:grpSpPr>
+        <a:xfrm>
+          <a:off x="0" y="0"/>
+          <a:ext cx="0" cy="0"/>
+          <a:chOff x="0" y="0"/>
+          <a:chExt cx="0" cy="0"/>
+        </a:xfrm>
+      </p:grpSpPr>
+      <p:sp>
+        <p:nvSpPr>
+          <p:cNvPr id="2" name="Titre 1"/>
+          <p:cNvSpPr>
+            <a:spLocks noGrp="1"/>
+          </p:cNvSpPr>
+          <p:nvPr>
+            <p:ph type="title"/>
+          </p:nvPr>
+        </p:nvSpPr>
+        <p:spPr/>
+        <p:txBody>
+          <a:bodyPr/>
+          <a:lstStyle/>
+          <a:p>
+            <a:r>
+              <a:rPr lang="fr-FR" dirty="0"/>
+              <a:t>Python HDFS</a:t>
+            </a:r>
+          </a:p>
+        </p:txBody>
+      </p:sp>
+      <p:sp>
+        <p:nvSpPr>
+          <p:cNvPr id="3" name="Espace réservé du contenu 2"/>
+          <p:cNvSpPr>
+            <a:spLocks noGrp="1"/>
+          </p:cNvSpPr>
+          <p:nvPr>
+            <p:ph idx="1"/>
+          </p:nvPr>
+        </p:nvSpPr>
+        <p:spPr/>
+        <p:txBody>
+          <a:bodyPr/>
+          <a:lstStyle/>
+          <a:p>
+            <a:r>
+              <a:rPr lang="fr-FR" dirty="0"/>
+              <a:t>Permet d’accéder à HDFS</a:t>
+            </a:r>
+          </a:p>
+          <a:p>
+            <a:endParaRPr lang="fr-FR" dirty="0"/>
+          </a:p>
+          <a:p>
+            <a:pPr marL="0" indent="0">
+              <a:buNone/>
+            </a:pPr>
+            <a:r>
+              <a:rPr lang="en-US" sz="2000" dirty="0">
+                <a:latin typeface="Courier New" panose="02070309020205020404" pitchFamily="49" charset="0"/>
+                <a:cs typeface="Courier New" panose="02070309020205020404" pitchFamily="49" charset="0"/>
+              </a:rPr>
+              <a:t>import </a:t>
+            </a:r>
+            <a:r>
+              <a:rPr lang="en-US" sz="2000" dirty="0" err="1">
+                <a:latin typeface="Courier New" panose="02070309020205020404" pitchFamily="49" charset="0"/>
+                <a:cs typeface="Courier New" panose="02070309020205020404" pitchFamily="49" charset="0"/>
+              </a:rPr>
+              <a:t>hdfs</a:t>
+            </a:r>
+            <a:endParaRPr lang="en-US" sz="2000" dirty="0">
+              <a:latin typeface="Courier New" panose="02070309020205020404" pitchFamily="49" charset="0"/>
+              <a:cs typeface="Courier New" panose="02070309020205020404" pitchFamily="49" charset="0"/>
+            </a:endParaRPr>
+          </a:p>
+          <a:p>
+            <a:pPr marL="0" indent="0">
+              <a:buNone/>
+            </a:pPr>
+            <a:r>
+              <a:rPr lang="en-US" sz="2000" dirty="0">
+                <a:latin typeface="Courier New" panose="02070309020205020404" pitchFamily="49" charset="0"/>
+                <a:cs typeface="Courier New" panose="02070309020205020404" pitchFamily="49" charset="0"/>
+              </a:rPr>
+              <a:t>client = </a:t>
+            </a:r>
+            <a:r>
+              <a:rPr lang="en-US" sz="2000" dirty="0" err="1">
+                <a:latin typeface="Courier New" panose="02070309020205020404" pitchFamily="49" charset="0"/>
+                <a:cs typeface="Courier New" panose="02070309020205020404" pitchFamily="49" charset="0"/>
+              </a:rPr>
+              <a:t>hdfs.InsecureClient</a:t>
+            </a:r>
+            <a:r>
+              <a:rPr lang="en-US" sz="2000" dirty="0">
+                <a:latin typeface="Courier New" panose="02070309020205020404" pitchFamily="49" charset="0"/>
+                <a:cs typeface="Courier New" panose="02070309020205020404" pitchFamily="49" charset="0"/>
+              </a:rPr>
+              <a:t>("http://localhost:50070")</a:t>
+            </a:r>
+          </a:p>
+          <a:p>
+            <a:pPr marL="0" indent="0">
+              <a:buNone/>
+            </a:pPr>
+            <a:r>
+              <a:rPr lang="en-US" sz="2000" dirty="0">
+                <a:latin typeface="Courier New" panose="02070309020205020404" pitchFamily="49" charset="0"/>
+                <a:cs typeface="Courier New" panose="02070309020205020404" pitchFamily="49" charset="0"/>
+              </a:rPr>
+              <a:t>print(</a:t>
+            </a:r>
+            <a:r>
+              <a:rPr lang="en-US" sz="2000" dirty="0" err="1">
+                <a:latin typeface="Courier New" panose="02070309020205020404" pitchFamily="49" charset="0"/>
+                <a:cs typeface="Courier New" panose="02070309020205020404" pitchFamily="49" charset="0"/>
+              </a:rPr>
+              <a:t>client.list</a:t>
+            </a:r>
+            <a:r>
+              <a:rPr lang="en-US" sz="2000" dirty="0">
+                <a:latin typeface="Courier New" panose="02070309020205020404" pitchFamily="49" charset="0"/>
+                <a:cs typeface="Courier New" panose="02070309020205020404" pitchFamily="49" charset="0"/>
+              </a:rPr>
+              <a:t>("/"))</a:t>
+            </a:r>
+          </a:p>
+          <a:p>
+            <a:pPr marL="0" indent="0">
+              <a:buNone/>
+            </a:pPr>
+            <a:r>
+              <a:rPr lang="en-US" sz="2000" dirty="0">
+                <a:latin typeface="Courier New" panose="02070309020205020404" pitchFamily="49" charset="0"/>
+                <a:cs typeface="Courier New" panose="02070309020205020404" pitchFamily="49" charset="0"/>
+              </a:rPr>
+              <a:t>print(</a:t>
+            </a:r>
+            <a:r>
+              <a:rPr lang="en-US" sz="2000" dirty="0" err="1">
+                <a:latin typeface="Courier New" panose="02070309020205020404" pitchFamily="49" charset="0"/>
+                <a:cs typeface="Courier New" panose="02070309020205020404" pitchFamily="49" charset="0"/>
+              </a:rPr>
+              <a:t>client.status</a:t>
+            </a:r>
+            <a:r>
+              <a:rPr lang="en-US" sz="2000" dirty="0">
+                <a:latin typeface="Courier New" panose="02070309020205020404" pitchFamily="49" charset="0"/>
+                <a:cs typeface="Courier New" panose="02070309020205020404" pitchFamily="49" charset="0"/>
+              </a:rPr>
+              <a:t>("/hello.txt"))</a:t>
+            </a:r>
+          </a:p>
+          <a:p>
+            <a:pPr marL="0" indent="0">
+              <a:buNone/>
+            </a:pPr>
+            <a:r>
+              <a:rPr lang="en-US" sz="2000" dirty="0">
+                <a:latin typeface="Courier New" panose="02070309020205020404" pitchFamily="49" charset="0"/>
+                <a:cs typeface="Courier New" panose="02070309020205020404" pitchFamily="49" charset="0"/>
+              </a:rPr>
+              <a:t>with </a:t>
+            </a:r>
+            <a:r>
+              <a:rPr lang="en-US" sz="2000" dirty="0" err="1">
+                <a:latin typeface="Courier New" panose="02070309020205020404" pitchFamily="49" charset="0"/>
+                <a:cs typeface="Courier New" panose="02070309020205020404" pitchFamily="49" charset="0"/>
+              </a:rPr>
+              <a:t>client.read</a:t>
+            </a:r>
+            <a:r>
+              <a:rPr lang="en-US" sz="2000" dirty="0">
+                <a:latin typeface="Courier New" panose="02070309020205020404" pitchFamily="49" charset="0"/>
+                <a:cs typeface="Courier New" panose="02070309020205020404" pitchFamily="49" charset="0"/>
+              </a:rPr>
+              <a:t>("/hello.txt") as f:</a:t>
+            </a:r>
+          </a:p>
+          <a:p>
+            <a:pPr marL="0" indent="0">
+              <a:buNone/>
+            </a:pPr>
+            <a:r>
+              <a:rPr lang="en-US" sz="2000" dirty="0">
+                <a:latin typeface="Courier New" panose="02070309020205020404" pitchFamily="49" charset="0"/>
+                <a:cs typeface="Courier New" panose="02070309020205020404" pitchFamily="49" charset="0"/>
+              </a:rPr>
+              <a:t>    print(</a:t>
+            </a:r>
+            <a:r>
+              <a:rPr lang="en-US" sz="2000" dirty="0" err="1">
+                <a:latin typeface="Courier New" panose="02070309020205020404" pitchFamily="49" charset="0"/>
+                <a:cs typeface="Courier New" panose="02070309020205020404" pitchFamily="49" charset="0"/>
+              </a:rPr>
+              <a:t>f.read</a:t>
+            </a:r>
+            <a:r>
+              <a:rPr lang="en-US" sz="2000" dirty="0">
+                <a:latin typeface="Courier New" panose="02070309020205020404" pitchFamily="49" charset="0"/>
+                <a:cs typeface="Courier New" panose="02070309020205020404" pitchFamily="49" charset="0"/>
+              </a:rPr>
+              <a:t>())</a:t>
+            </a:r>
+          </a:p>
+          <a:p>
+            <a:pPr marL="0" indent="0">
+              <a:buNone/>
+            </a:pPr>
+            <a:endParaRPr lang="en-US" dirty="0"/>
+          </a:p>
+          <a:p>
+            <a:pPr marL="0" indent="0">
+              <a:buNone/>
+            </a:pPr>
+            <a:r>
+              <a:rPr lang="en-US" dirty="0"/>
+              <a:t>Les scripts Python </a:t>
+            </a:r>
+            <a:r>
+              <a:rPr lang="en-US" dirty="0" err="1"/>
+              <a:t>peuvent</a:t>
+            </a:r>
+            <a:r>
+              <a:rPr lang="en-US" dirty="0"/>
+              <a:t> </a:t>
+            </a:r>
+            <a:r>
+              <a:rPr lang="en-US" dirty="0" err="1"/>
+              <a:t>être</a:t>
+            </a:r>
+            <a:r>
+              <a:rPr lang="en-US" dirty="0"/>
+              <a:t> </a:t>
+            </a:r>
+            <a:r>
+              <a:rPr lang="en-US" dirty="0" err="1"/>
+              <a:t>schedulés</a:t>
+            </a:r>
+            <a:r>
+              <a:rPr lang="en-US" dirty="0"/>
+              <a:t> et executer sur Hadoop avec Yarn</a:t>
+            </a:r>
+            <a:endParaRPr lang="fr-FR" dirty="0"/>
+          </a:p>
+        </p:txBody>
+      </p:sp>
+    </p:spTree>
+    <p:extLst>
+      <p:ext uri="{BB962C8B-B14F-4D97-AF65-F5344CB8AC3E}">
+        <p14:creationId xmlns:p14="http://schemas.microsoft.com/office/powerpoint/2010/main" val="1578075222"/>
+      </p:ext>
+    </p:extLst>
+  </p:cSld>
+  <p:clrMapOvr>
+    <a:masterClrMapping/>
+  </p:clrMapOvr>
+</p:sld>
+</file>
+
 <file path=ppt/slides/slide12.xml><?xml version="1.0" encoding="utf-8"?>
 <p:sld xmlns:a="http://schemas.openxmlformats.org/drawingml/2006/main" xmlns:r="http://schemas.openxmlformats.org/officeDocument/2006/relationships" xmlns:p="http://schemas.openxmlformats.org/presentationml/2006/main">
   <p:cSld>
@@ -4389,7 +4562,7 @@
           <a:p>
             <a:r>
               <a:rPr lang="fr-FR" dirty="0"/>
-              <a:t>Python HDFS</a:t>
+              <a:t>ACID</a:t>
             </a:r>
           </a:p>
         </p:txBody>
@@ -4411,211 +4584,67 @@
           <a:p>
             <a:r>
               <a:rPr lang="fr-FR" dirty="0"/>
-              <a:t>Permet d’accéder à HDFS</a:t>
-            </a:r>
-          </a:p>
-          <a:p>
-            <a:endParaRPr lang="fr-FR" dirty="0"/>
-          </a:p>
-          <a:p>
-            <a:pPr marL="0" indent="0">
-              <a:buNone/>
-            </a:pPr>
-            <a:r>
-              <a:rPr lang="en-US" sz="2000" dirty="0">
-                <a:latin typeface="Courier New" panose="02070309020205020404" pitchFamily="49" charset="0"/>
-                <a:cs typeface="Courier New" panose="02070309020205020404" pitchFamily="49" charset="0"/>
-              </a:rPr>
-              <a:t>import </a:t>
-            </a:r>
-            <a:r>
-              <a:rPr lang="en-US" sz="2000" dirty="0" err="1">
-                <a:latin typeface="Courier New" panose="02070309020205020404" pitchFamily="49" charset="0"/>
-                <a:cs typeface="Courier New" panose="02070309020205020404" pitchFamily="49" charset="0"/>
-              </a:rPr>
-              <a:t>hdfs</a:t>
-            </a:r>
-            <a:endParaRPr lang="en-US" sz="2000" dirty="0">
-              <a:latin typeface="Courier New" panose="02070309020205020404" pitchFamily="49" charset="0"/>
-              <a:cs typeface="Courier New" panose="02070309020205020404" pitchFamily="49" charset="0"/>
-            </a:endParaRPr>
-          </a:p>
-          <a:p>
-            <a:pPr marL="0" indent="0">
-              <a:buNone/>
-            </a:pPr>
-            <a:r>
-              <a:rPr lang="en-US" sz="2000" dirty="0">
-                <a:latin typeface="Courier New" panose="02070309020205020404" pitchFamily="49" charset="0"/>
-                <a:cs typeface="Courier New" panose="02070309020205020404" pitchFamily="49" charset="0"/>
-              </a:rPr>
-              <a:t>client = </a:t>
-            </a:r>
-            <a:r>
-              <a:rPr lang="en-US" sz="2000" dirty="0" err="1">
-                <a:latin typeface="Courier New" panose="02070309020205020404" pitchFamily="49" charset="0"/>
-                <a:cs typeface="Courier New" panose="02070309020205020404" pitchFamily="49" charset="0"/>
-              </a:rPr>
-              <a:t>hdfs.InsecureClient</a:t>
-            </a:r>
-            <a:r>
-              <a:rPr lang="en-US" sz="2000" dirty="0">
-                <a:latin typeface="Courier New" panose="02070309020205020404" pitchFamily="49" charset="0"/>
-                <a:cs typeface="Courier New" panose="02070309020205020404" pitchFamily="49" charset="0"/>
-              </a:rPr>
-              <a:t>("http://localhost:50070")</a:t>
-            </a:r>
-          </a:p>
-          <a:p>
-            <a:pPr marL="0" indent="0">
-              <a:buNone/>
-            </a:pPr>
-            <a:r>
-              <a:rPr lang="en-US" sz="2000" dirty="0">
-                <a:latin typeface="Courier New" panose="02070309020205020404" pitchFamily="49" charset="0"/>
-                <a:cs typeface="Courier New" panose="02070309020205020404" pitchFamily="49" charset="0"/>
-              </a:rPr>
-              <a:t>print(</a:t>
-            </a:r>
-            <a:r>
-              <a:rPr lang="en-US" sz="2000" dirty="0" err="1">
-                <a:latin typeface="Courier New" panose="02070309020205020404" pitchFamily="49" charset="0"/>
-                <a:cs typeface="Courier New" panose="02070309020205020404" pitchFamily="49" charset="0"/>
-              </a:rPr>
-              <a:t>client.list</a:t>
-            </a:r>
-            <a:r>
-              <a:rPr lang="en-US" sz="2000" dirty="0">
-                <a:latin typeface="Courier New" panose="02070309020205020404" pitchFamily="49" charset="0"/>
-                <a:cs typeface="Courier New" panose="02070309020205020404" pitchFamily="49" charset="0"/>
-              </a:rPr>
-              <a:t>("/"))</a:t>
-            </a:r>
-          </a:p>
-          <a:p>
-            <a:pPr marL="0" indent="0">
-              <a:buNone/>
-            </a:pPr>
-            <a:r>
-              <a:rPr lang="en-US" sz="2000" dirty="0">
-                <a:latin typeface="Courier New" panose="02070309020205020404" pitchFamily="49" charset="0"/>
-                <a:cs typeface="Courier New" panose="02070309020205020404" pitchFamily="49" charset="0"/>
-              </a:rPr>
-              <a:t>print(</a:t>
-            </a:r>
-            <a:r>
-              <a:rPr lang="en-US" sz="2000" dirty="0" err="1">
-                <a:latin typeface="Courier New" panose="02070309020205020404" pitchFamily="49" charset="0"/>
-                <a:cs typeface="Courier New" panose="02070309020205020404" pitchFamily="49" charset="0"/>
-              </a:rPr>
-              <a:t>client.status</a:t>
-            </a:r>
-            <a:r>
-              <a:rPr lang="en-US" sz="2000" dirty="0">
-                <a:latin typeface="Courier New" panose="02070309020205020404" pitchFamily="49" charset="0"/>
-                <a:cs typeface="Courier New" panose="02070309020205020404" pitchFamily="49" charset="0"/>
-              </a:rPr>
-              <a:t>("/hello.txt"))</a:t>
-            </a:r>
-          </a:p>
-          <a:p>
-            <a:pPr marL="0" indent="0">
-              <a:buNone/>
-            </a:pPr>
-            <a:r>
-              <a:rPr lang="en-US" sz="2000" dirty="0">
-                <a:latin typeface="Courier New" panose="02070309020205020404" pitchFamily="49" charset="0"/>
-                <a:cs typeface="Courier New" panose="02070309020205020404" pitchFamily="49" charset="0"/>
-              </a:rPr>
-              <a:t>with </a:t>
-            </a:r>
-            <a:r>
-              <a:rPr lang="en-US" sz="2000" dirty="0" err="1">
-                <a:latin typeface="Courier New" panose="02070309020205020404" pitchFamily="49" charset="0"/>
-                <a:cs typeface="Courier New" panose="02070309020205020404" pitchFamily="49" charset="0"/>
-              </a:rPr>
-              <a:t>client.read</a:t>
-            </a:r>
-            <a:r>
-              <a:rPr lang="en-US" sz="2000" dirty="0">
-                <a:latin typeface="Courier New" panose="02070309020205020404" pitchFamily="49" charset="0"/>
-                <a:cs typeface="Courier New" panose="02070309020205020404" pitchFamily="49" charset="0"/>
-              </a:rPr>
-              <a:t>("/hello.txt") as f:</a:t>
-            </a:r>
-          </a:p>
-          <a:p>
-            <a:pPr marL="0" indent="0">
-              <a:buNone/>
-            </a:pPr>
-            <a:r>
-              <a:rPr lang="en-US" sz="2000" dirty="0">
-                <a:latin typeface="Courier New" panose="02070309020205020404" pitchFamily="49" charset="0"/>
-                <a:cs typeface="Courier New" panose="02070309020205020404" pitchFamily="49" charset="0"/>
-              </a:rPr>
-              <a:t>    print(</a:t>
-            </a:r>
-            <a:r>
-              <a:rPr lang="en-US" sz="2000" dirty="0" err="1">
-                <a:latin typeface="Courier New" panose="02070309020205020404" pitchFamily="49" charset="0"/>
-                <a:cs typeface="Courier New" panose="02070309020205020404" pitchFamily="49" charset="0"/>
-              </a:rPr>
-              <a:t>f.read</a:t>
-            </a:r>
-            <a:r>
-              <a:rPr lang="en-US" sz="2000" dirty="0">
-                <a:latin typeface="Courier New" panose="02070309020205020404" pitchFamily="49" charset="0"/>
-                <a:cs typeface="Courier New" panose="02070309020205020404" pitchFamily="49" charset="0"/>
-              </a:rPr>
-              <a:t>())</a:t>
-            </a:r>
-          </a:p>
-          <a:p>
-            <a:pPr marL="0" indent="0">
-              <a:buNone/>
-            </a:pPr>
-            <a:endParaRPr lang="en-US" dirty="0"/>
-          </a:p>
-          <a:p>
-            <a:pPr marL="0" indent="0">
-              <a:buNone/>
-            </a:pPr>
-            <a:r>
-              <a:rPr lang="en-US" dirty="0"/>
-              <a:t>Les scripts Python </a:t>
-            </a:r>
-            <a:r>
-              <a:rPr lang="en-US" dirty="0" err="1"/>
-              <a:t>peuvent</a:t>
-            </a:r>
-            <a:r>
-              <a:rPr lang="en-US" dirty="0"/>
-              <a:t> </a:t>
-            </a:r>
-            <a:r>
-              <a:rPr lang="en-US" dirty="0" err="1"/>
-              <a:t>être</a:t>
-            </a:r>
-            <a:r>
-              <a:rPr lang="en-US" dirty="0"/>
-              <a:t> </a:t>
-            </a:r>
-            <a:r>
-              <a:rPr lang="en-US" dirty="0" err="1"/>
-              <a:t>schedulés</a:t>
-            </a:r>
-            <a:r>
-              <a:rPr lang="en-US" dirty="0"/>
-              <a:t> et executer sur Hadoop avec Yarn</a:t>
-            </a:r>
-            <a:endParaRPr lang="fr-FR" dirty="0"/>
+              <a:t>Perte de l’acidité</a:t>
+            </a:r>
+          </a:p>
+          <a:p>
+            <a:r>
+              <a:rPr lang="fr-FR" dirty="0"/>
+              <a:t>Atomique</a:t>
+            </a:r>
+          </a:p>
+          <a:p>
+            <a:pPr lvl="1"/>
+            <a:r>
+              <a:rPr lang="fr-FR" dirty="0"/>
+              <a:t>Pas de transaction</a:t>
+            </a:r>
+          </a:p>
+          <a:p>
+            <a:r>
+              <a:rPr lang="fr-FR" dirty="0"/>
+              <a:t>Cohérence</a:t>
+            </a:r>
+          </a:p>
+          <a:p>
+            <a:pPr lvl="1"/>
+            <a:r>
+              <a:rPr lang="fr-FR" dirty="0"/>
+              <a:t>Différents nœuds peuvent êtres dans un état différent</a:t>
+            </a:r>
+          </a:p>
+          <a:p>
+            <a:r>
+              <a:rPr lang="fr-FR" dirty="0"/>
+              <a:t>Intègre</a:t>
+            </a:r>
+          </a:p>
+          <a:p>
+            <a:pPr lvl="1"/>
+            <a:r>
+              <a:rPr lang="fr-FR" dirty="0"/>
+              <a:t>Les champs de ne sont pas typés et les relations non vérifiées</a:t>
+            </a:r>
+          </a:p>
+          <a:p>
+            <a:r>
+              <a:rPr lang="fr-FR" dirty="0"/>
+              <a:t>Disponible</a:t>
+            </a:r>
+          </a:p>
+          <a:p>
+            <a:pPr lvl="1"/>
+            <a:r>
+              <a:rPr lang="fr-FR" dirty="0"/>
+              <a:t>Certains nœuds peuvent être down</a:t>
+            </a:r>
           </a:p>
         </p:txBody>
       </p:sp>
     </p:spTree>
     <p:extLst>
       <p:ext uri="{BB962C8B-B14F-4D97-AF65-F5344CB8AC3E}">
-        <p14:creationId xmlns:p14="http://schemas.microsoft.com/office/powerpoint/2010/main" val="1578075222"/>
+        <p14:creationId xmlns:p14="http://schemas.microsoft.com/office/powerpoint/2010/main" val="251610394"/>
       </p:ext>
     </p:extLst>
   </p:cSld>
@@ -4626,6 +4655,506 @@
 </file>
 
 <file path=ppt/slides/slide13.xml><?xml version="1.0" encoding="utf-8"?>
+<p:sld xmlns:a="http://schemas.openxmlformats.org/drawingml/2006/main" xmlns:r="http://schemas.openxmlformats.org/officeDocument/2006/relationships" xmlns:p="http://schemas.openxmlformats.org/presentationml/2006/main">
+  <p:cSld>
+    <p:spTree>
+      <p:nvGrpSpPr>
+        <p:cNvPr id="1" name=""/>
+        <p:cNvGrpSpPr/>
+        <p:nvPr/>
+      </p:nvGrpSpPr>
+      <p:grpSpPr>
+        <a:xfrm>
+          <a:off x="0" y="0"/>
+          <a:ext cx="0" cy="0"/>
+          <a:chOff x="0" y="0"/>
+          <a:chExt cx="0" cy="0"/>
+        </a:xfrm>
+      </p:grpSpPr>
+      <p:sp>
+        <p:nvSpPr>
+          <p:cNvPr id="2" name="Titre 1"/>
+          <p:cNvSpPr>
+            <a:spLocks noGrp="1"/>
+          </p:cNvSpPr>
+          <p:nvPr>
+            <p:ph type="title"/>
+          </p:nvPr>
+        </p:nvSpPr>
+        <p:spPr/>
+        <p:txBody>
+          <a:bodyPr/>
+          <a:lstStyle/>
+          <a:p>
+            <a:r>
+              <a:rPr lang="fr-FR" dirty="0" err="1"/>
+              <a:t>Hive</a:t>
+            </a:r>
+            <a:endParaRPr lang="fr-FR" dirty="0"/>
+          </a:p>
+        </p:txBody>
+      </p:sp>
+      <p:sp>
+        <p:nvSpPr>
+          <p:cNvPr id="3" name="Espace réservé du contenu 2"/>
+          <p:cNvSpPr>
+            <a:spLocks noGrp="1"/>
+          </p:cNvSpPr>
+          <p:nvPr>
+            <p:ph idx="1"/>
+          </p:nvPr>
+        </p:nvSpPr>
+        <p:spPr/>
+        <p:txBody>
+          <a:bodyPr/>
+          <a:lstStyle/>
+          <a:p>
+            <a:r>
+              <a:rPr lang="fr-FR" dirty="0" err="1"/>
+              <a:t>HBase</a:t>
+            </a:r>
+            <a:endParaRPr lang="fr-FR" dirty="0"/>
+          </a:p>
+          <a:p>
+            <a:pPr lvl="1"/>
+            <a:r>
+              <a:rPr lang="fr-FR" dirty="0"/>
+              <a:t>Permet de stocker des données tabulaires</a:t>
+            </a:r>
+          </a:p>
+          <a:p>
+            <a:pPr lvl="1"/>
+            <a:r>
+              <a:rPr lang="fr-FR" dirty="0"/>
+              <a:t>Relationnel</a:t>
+            </a:r>
+          </a:p>
+          <a:p>
+            <a:pPr lvl="1"/>
+            <a:r>
+              <a:rPr lang="fr-FR" dirty="0"/>
+              <a:t>Non ACID</a:t>
+            </a:r>
+          </a:p>
+          <a:p>
+            <a:r>
+              <a:rPr lang="fr-FR" dirty="0" err="1"/>
+              <a:t>Hive</a:t>
+            </a:r>
+            <a:r>
+              <a:rPr lang="fr-FR" dirty="0"/>
+              <a:t> Permet de lire des tables relationnelles depuis </a:t>
+            </a:r>
+            <a:r>
+              <a:rPr lang="fr-FR" dirty="0" err="1"/>
+              <a:t>Hadoop</a:t>
+            </a:r>
+            <a:r>
+              <a:rPr lang="fr-FR" dirty="0"/>
+              <a:t> avec le format </a:t>
+            </a:r>
+            <a:r>
+              <a:rPr lang="fr-FR" dirty="0" err="1"/>
+              <a:t>Sql</a:t>
+            </a:r>
+            <a:endParaRPr lang="fr-FR" dirty="0"/>
+          </a:p>
+          <a:p>
+            <a:pPr lvl="1"/>
+            <a:r>
+              <a:rPr lang="fr-FR" dirty="0" err="1"/>
+              <a:t>HiveQL</a:t>
+            </a:r>
+            <a:endParaRPr lang="fr-FR" dirty="0"/>
+          </a:p>
+          <a:p>
+            <a:pPr marL="0" indent="0">
+              <a:buNone/>
+            </a:pPr>
+            <a:endParaRPr lang="fr-FR" dirty="0"/>
+          </a:p>
+        </p:txBody>
+      </p:sp>
+      <p:pic>
+        <p:nvPicPr>
+          <p:cNvPr id="4098" name="Picture 2" descr="Logo"/>
+          <p:cNvPicPr>
+            <a:picLocks noChangeAspect="1" noChangeArrowheads="1"/>
+          </p:cNvPicPr>
+          <p:nvPr/>
+        </p:nvPicPr>
+        <p:blipFill>
+          <a:blip r:embed="rId2" cstate="print">
+            <a:extLst>
+              <a:ext uri="{28A0092B-C50C-407E-A947-70E740481C1C}">
+                <a14:useLocalDpi xmlns:a14="http://schemas.microsoft.com/office/drawing/2010/main" val="0"/>
+              </a:ext>
+            </a:extLst>
+          </a:blip>
+          <a:srcRect/>
+          <a:stretch>
+            <a:fillRect/>
+          </a:stretch>
+        </p:blipFill>
+        <p:spPr bwMode="auto">
+          <a:xfrm>
+            <a:off x="3851920" y="-572705"/>
+            <a:ext cx="2184177" cy="1965760"/>
+          </a:xfrm>
+          <a:prstGeom prst="rect">
+            <a:avLst/>
+          </a:prstGeom>
+          <a:noFill/>
+          <a:extLst>
+            <a:ext uri="{909E8E84-426E-40DD-AFC4-6F175D3DCCD1}">
+              <a14:hiddenFill xmlns:a14="http://schemas.microsoft.com/office/drawing/2010/main">
+                <a:solidFill>
+                  <a:srgbClr val="FFFFFF"/>
+                </a:solidFill>
+              </a14:hiddenFill>
+            </a:ext>
+          </a:extLst>
+        </p:spPr>
+      </p:pic>
+    </p:spTree>
+    <p:extLst>
+      <p:ext uri="{BB962C8B-B14F-4D97-AF65-F5344CB8AC3E}">
+        <p14:creationId xmlns:p14="http://schemas.microsoft.com/office/powerpoint/2010/main" val="2984899785"/>
+      </p:ext>
+    </p:extLst>
+  </p:cSld>
+  <p:clrMapOvr>
+    <a:masterClrMapping/>
+  </p:clrMapOvr>
+</p:sld>
+</file>
+
+<file path=ppt/slides/slide14.xml><?xml version="1.0" encoding="utf-8"?>
+<p:sld xmlns:a="http://schemas.openxmlformats.org/drawingml/2006/main" xmlns:r="http://schemas.openxmlformats.org/officeDocument/2006/relationships" xmlns:p="http://schemas.openxmlformats.org/presentationml/2006/main">
+  <p:cSld>
+    <p:spTree>
+      <p:nvGrpSpPr>
+        <p:cNvPr id="1" name=""/>
+        <p:cNvGrpSpPr/>
+        <p:nvPr/>
+      </p:nvGrpSpPr>
+      <p:grpSpPr>
+        <a:xfrm>
+          <a:off x="0" y="0"/>
+          <a:ext cx="0" cy="0"/>
+          <a:chOff x="0" y="0"/>
+          <a:chExt cx="0" cy="0"/>
+        </a:xfrm>
+      </p:grpSpPr>
+      <p:sp>
+        <p:nvSpPr>
+          <p:cNvPr id="2" name="Titre 1"/>
+          <p:cNvSpPr>
+            <a:spLocks noGrp="1"/>
+          </p:cNvSpPr>
+          <p:nvPr>
+            <p:ph type="title"/>
+          </p:nvPr>
+        </p:nvSpPr>
+        <p:spPr/>
+        <p:txBody>
+          <a:bodyPr/>
+          <a:lstStyle/>
+          <a:p>
+            <a:r>
+              <a:rPr lang="fr-FR" dirty="0"/>
+              <a:t>Hue</a:t>
+            </a:r>
+          </a:p>
+        </p:txBody>
+      </p:sp>
+      <p:sp>
+        <p:nvSpPr>
+          <p:cNvPr id="3" name="Espace réservé du contenu 2"/>
+          <p:cNvSpPr>
+            <a:spLocks noGrp="1"/>
+          </p:cNvSpPr>
+          <p:nvPr>
+            <p:ph idx="1"/>
+          </p:nvPr>
+        </p:nvSpPr>
+        <p:spPr/>
+        <p:txBody>
+          <a:bodyPr/>
+          <a:lstStyle/>
+          <a:p>
+            <a:r>
+              <a:rPr lang="fr-FR" dirty="0"/>
+              <a:t>Hue est une interface graphique pour </a:t>
+            </a:r>
+            <a:r>
+              <a:rPr lang="fr-FR" dirty="0" err="1"/>
+              <a:t>Hive</a:t>
+            </a:r>
+            <a:endParaRPr lang="fr-FR" dirty="0"/>
+          </a:p>
+          <a:p>
+            <a:r>
+              <a:rPr lang="fr-FR" dirty="0"/>
+              <a:t>Compatible Impala et </a:t>
+            </a:r>
+            <a:r>
+              <a:rPr lang="fr-FR" dirty="0" err="1"/>
+              <a:t>Hive</a:t>
+            </a:r>
+            <a:endParaRPr lang="fr-FR" dirty="0"/>
+          </a:p>
+        </p:txBody>
+      </p:sp>
+      <p:pic>
+        <p:nvPicPr>
+          <p:cNvPr id="5122" name="Picture 2" descr="Screen shot of Impala Query Editor being selected"/>
+          <p:cNvPicPr>
+            <a:picLocks noChangeAspect="1" noChangeArrowheads="1"/>
+          </p:cNvPicPr>
+          <p:nvPr/>
+        </p:nvPicPr>
+        <p:blipFill>
+          <a:blip r:embed="rId2">
+            <a:extLst>
+              <a:ext uri="{28A0092B-C50C-407E-A947-70E740481C1C}">
+                <a14:useLocalDpi xmlns:a14="http://schemas.microsoft.com/office/drawing/2010/main" val="0"/>
+              </a:ext>
+            </a:extLst>
+          </a:blip>
+          <a:srcRect/>
+          <a:stretch>
+            <a:fillRect/>
+          </a:stretch>
+        </p:blipFill>
+        <p:spPr bwMode="auto">
+          <a:xfrm>
+            <a:off x="755576" y="2420888"/>
+            <a:ext cx="8856984" cy="5201064"/>
+          </a:xfrm>
+          <a:prstGeom prst="rect">
+            <a:avLst/>
+          </a:prstGeom>
+          <a:noFill/>
+          <a:extLst>
+            <a:ext uri="{909E8E84-426E-40DD-AFC4-6F175D3DCCD1}">
+              <a14:hiddenFill xmlns:a14="http://schemas.microsoft.com/office/drawing/2010/main">
+                <a:solidFill>
+                  <a:srgbClr val="FFFFFF"/>
+                </a:solidFill>
+              </a14:hiddenFill>
+            </a:ext>
+          </a:extLst>
+        </p:spPr>
+      </p:pic>
+    </p:spTree>
+    <p:extLst>
+      <p:ext uri="{BB962C8B-B14F-4D97-AF65-F5344CB8AC3E}">
+        <p14:creationId xmlns:p14="http://schemas.microsoft.com/office/powerpoint/2010/main" val="3253072666"/>
+      </p:ext>
+    </p:extLst>
+  </p:cSld>
+  <p:clrMapOvr>
+    <a:masterClrMapping/>
+  </p:clrMapOvr>
+</p:sld>
+</file>
+
+<file path=ppt/slides/slide15.xml><?xml version="1.0" encoding="utf-8"?>
+<p:sld xmlns:a="http://schemas.openxmlformats.org/drawingml/2006/main" xmlns:r="http://schemas.openxmlformats.org/officeDocument/2006/relationships" xmlns:p="http://schemas.openxmlformats.org/presentationml/2006/main">
+  <p:cSld>
+    <p:spTree>
+      <p:nvGrpSpPr>
+        <p:cNvPr id="1" name=""/>
+        <p:cNvGrpSpPr/>
+        <p:nvPr/>
+      </p:nvGrpSpPr>
+      <p:grpSpPr>
+        <a:xfrm>
+          <a:off x="0" y="0"/>
+          <a:ext cx="0" cy="0"/>
+          <a:chOff x="0" y="0"/>
+          <a:chExt cx="0" cy="0"/>
+        </a:xfrm>
+      </p:grpSpPr>
+      <p:sp>
+        <p:nvSpPr>
+          <p:cNvPr id="2" name="Titre 1"/>
+          <p:cNvSpPr>
+            <a:spLocks noGrp="1"/>
+          </p:cNvSpPr>
+          <p:nvPr>
+            <p:ph type="title"/>
+          </p:nvPr>
+        </p:nvSpPr>
+        <p:spPr/>
+        <p:txBody>
+          <a:bodyPr/>
+          <a:lstStyle/>
+          <a:p>
+            <a:r>
+              <a:rPr lang="fr-FR" dirty="0"/>
+              <a:t>Ma 1</a:t>
+            </a:r>
+            <a:r>
+              <a:rPr lang="fr-FR" baseline="30000" dirty="0"/>
+              <a:t>ère</a:t>
+            </a:r>
+            <a:r>
+              <a:rPr lang="fr-FR" dirty="0"/>
+              <a:t> requête</a:t>
+            </a:r>
+          </a:p>
+        </p:txBody>
+      </p:sp>
+      <p:pic>
+        <p:nvPicPr>
+          <p:cNvPr id="7170" name="Picture 2" descr="Screen shot of table list"/>
+          <p:cNvPicPr>
+            <a:picLocks noChangeAspect="1" noChangeArrowheads="1"/>
+          </p:cNvPicPr>
+          <p:nvPr/>
+        </p:nvPicPr>
+        <p:blipFill>
+          <a:blip r:embed="rId2">
+            <a:extLst>
+              <a:ext uri="{28A0092B-C50C-407E-A947-70E740481C1C}">
+                <a14:useLocalDpi xmlns:a14="http://schemas.microsoft.com/office/drawing/2010/main" val="0"/>
+              </a:ext>
+            </a:extLst>
+          </a:blip>
+          <a:srcRect/>
+          <a:stretch>
+            <a:fillRect/>
+          </a:stretch>
+        </p:blipFill>
+        <p:spPr bwMode="auto">
+          <a:xfrm>
+            <a:off x="0" y="908720"/>
+            <a:ext cx="10131133" cy="5949280"/>
+          </a:xfrm>
+          <a:prstGeom prst="rect">
+            <a:avLst/>
+          </a:prstGeom>
+          <a:noFill/>
+          <a:extLst>
+            <a:ext uri="{909E8E84-426E-40DD-AFC4-6F175D3DCCD1}">
+              <a14:hiddenFill xmlns:a14="http://schemas.microsoft.com/office/drawing/2010/main">
+                <a:solidFill>
+                  <a:srgbClr val="FFFFFF"/>
+                </a:solidFill>
+              </a14:hiddenFill>
+            </a:ext>
+          </a:extLst>
+        </p:spPr>
+      </p:pic>
+    </p:spTree>
+    <p:extLst>
+      <p:ext uri="{BB962C8B-B14F-4D97-AF65-F5344CB8AC3E}">
+        <p14:creationId xmlns:p14="http://schemas.microsoft.com/office/powerpoint/2010/main" val="4156881941"/>
+      </p:ext>
+    </p:extLst>
+  </p:cSld>
+  <p:clrMapOvr>
+    <a:masterClrMapping/>
+  </p:clrMapOvr>
+</p:sld>
+</file>
+
+<file path=ppt/slides/slide16.xml><?xml version="1.0" encoding="utf-8"?>
+<p:sld xmlns:a="http://schemas.openxmlformats.org/drawingml/2006/main" xmlns:r="http://schemas.openxmlformats.org/officeDocument/2006/relationships" xmlns:p="http://schemas.openxmlformats.org/presentationml/2006/main">
+  <p:cSld>
+    <p:spTree>
+      <p:nvGrpSpPr>
+        <p:cNvPr id="1" name=""/>
+        <p:cNvGrpSpPr/>
+        <p:nvPr/>
+      </p:nvGrpSpPr>
+      <p:grpSpPr>
+        <a:xfrm>
+          <a:off x="0" y="0"/>
+          <a:ext cx="0" cy="0"/>
+          <a:chOff x="0" y="0"/>
+          <a:chExt cx="0" cy="0"/>
+        </a:xfrm>
+      </p:grpSpPr>
+      <p:sp>
+        <p:nvSpPr>
+          <p:cNvPr id="2" name="Titre 1"/>
+          <p:cNvSpPr>
+            <a:spLocks noGrp="1"/>
+          </p:cNvSpPr>
+          <p:nvPr>
+            <p:ph type="title"/>
+          </p:nvPr>
+        </p:nvSpPr>
+        <p:spPr/>
+        <p:txBody>
+          <a:bodyPr/>
+          <a:lstStyle/>
+          <a:p>
+            <a:r>
+              <a:rPr lang="fr-FR" dirty="0"/>
+              <a:t>Requête complexe</a:t>
+            </a:r>
+          </a:p>
+        </p:txBody>
+      </p:sp>
+      <p:pic>
+        <p:nvPicPr>
+          <p:cNvPr id="8194" name="Picture 2" descr="Screen shot of 10 most popular product categories"/>
+          <p:cNvPicPr>
+            <a:picLocks noChangeAspect="1" noChangeArrowheads="1"/>
+          </p:cNvPicPr>
+          <p:nvPr/>
+        </p:nvPicPr>
+        <p:blipFill>
+          <a:blip r:embed="rId2">
+            <a:extLst>
+              <a:ext uri="{28A0092B-C50C-407E-A947-70E740481C1C}">
+                <a14:useLocalDpi xmlns:a14="http://schemas.microsoft.com/office/drawing/2010/main" val="0"/>
+              </a:ext>
+            </a:extLst>
+          </a:blip>
+          <a:srcRect/>
+          <a:stretch>
+            <a:fillRect/>
+          </a:stretch>
+        </p:blipFill>
+        <p:spPr bwMode="auto">
+          <a:xfrm>
+            <a:off x="0" y="980728"/>
+            <a:ext cx="10008510" cy="5877272"/>
+          </a:xfrm>
+          <a:prstGeom prst="rect">
+            <a:avLst/>
+          </a:prstGeom>
+          <a:noFill/>
+          <a:extLst>
+            <a:ext uri="{909E8E84-426E-40DD-AFC4-6F175D3DCCD1}">
+              <a14:hiddenFill xmlns:a14="http://schemas.microsoft.com/office/drawing/2010/main">
+                <a:solidFill>
+                  <a:srgbClr val="FFFFFF"/>
+                </a:solidFill>
+              </a14:hiddenFill>
+            </a:ext>
+          </a:extLst>
+        </p:spPr>
+      </p:pic>
+    </p:spTree>
+    <p:extLst>
+      <p:ext uri="{BB962C8B-B14F-4D97-AF65-F5344CB8AC3E}">
+        <p14:creationId xmlns:p14="http://schemas.microsoft.com/office/powerpoint/2010/main" val="2808939717"/>
+      </p:ext>
+    </p:extLst>
+  </p:cSld>
+  <p:clrMapOvr>
+    <a:masterClrMapping/>
+  </p:clrMapOvr>
+</p:sld>
+</file>
+
+<file path=ppt/slides/slide17.xml><?xml version="1.0" encoding="utf-8"?>
 <p:sld xmlns:a="http://schemas.openxmlformats.org/drawingml/2006/main" xmlns:r="http://schemas.openxmlformats.org/officeDocument/2006/relationships" xmlns:p="http://schemas.openxmlformats.org/presentationml/2006/main">
   <p:cSld>
     <p:spTree>
@@ -4779,7 +5308,7 @@
 </p:sld>
 </file>
 
-<file path=ppt/slides/slide14.xml><?xml version="1.0" encoding="utf-8"?>
+<file path=ppt/slides/slide18.xml><?xml version="1.0" encoding="utf-8"?>
 <p:sld xmlns:a="http://schemas.openxmlformats.org/drawingml/2006/main" xmlns:r="http://schemas.openxmlformats.org/officeDocument/2006/relationships" xmlns:p="http://schemas.openxmlformats.org/presentationml/2006/main">
   <p:cSld>
     <p:spTree>
@@ -4875,7 +5404,7 @@
 </p:sld>
 </file>
 
-<file path=ppt/slides/slide15.xml><?xml version="1.0" encoding="utf-8"?>
+<file path=ppt/slides/slide19.xml><?xml version="1.0" encoding="utf-8"?>
 <p:sld xmlns:a="http://schemas.openxmlformats.org/drawingml/2006/main" xmlns:r="http://schemas.openxmlformats.org/officeDocument/2006/relationships" xmlns:p="http://schemas.openxmlformats.org/presentationml/2006/main">
   <p:cSld>
     <p:spTree>
@@ -4991,7 +5520,195 @@
 </p:sld>
 </file>
 
-<file path=ppt/slides/slide16.xml><?xml version="1.0" encoding="utf-8"?>
+<file path=ppt/slides/slide2.xml><?xml version="1.0" encoding="utf-8"?>
+<p:sld xmlns:a="http://schemas.openxmlformats.org/drawingml/2006/main" xmlns:r="http://schemas.openxmlformats.org/officeDocument/2006/relationships" xmlns:p="http://schemas.openxmlformats.org/presentationml/2006/main">
+  <p:cSld>
+    <p:spTree>
+      <p:nvGrpSpPr>
+        <p:cNvPr id="1" name=""/>
+        <p:cNvGrpSpPr/>
+        <p:nvPr/>
+      </p:nvGrpSpPr>
+      <p:grpSpPr>
+        <a:xfrm>
+          <a:off x="0" y="0"/>
+          <a:ext cx="0" cy="0"/>
+          <a:chOff x="0" y="0"/>
+          <a:chExt cx="0" cy="0"/>
+        </a:xfrm>
+      </p:grpSpPr>
+      <p:sp>
+        <p:nvSpPr>
+          <p:cNvPr id="2" name="Titre 1"/>
+          <p:cNvSpPr>
+            <a:spLocks noGrp="1"/>
+          </p:cNvSpPr>
+          <p:nvPr>
+            <p:ph type="title"/>
+          </p:nvPr>
+        </p:nvSpPr>
+        <p:spPr/>
+        <p:txBody>
+          <a:bodyPr/>
+          <a:lstStyle/>
+          <a:p>
+            <a:r>
+              <a:rPr lang="fr-FR" dirty="0" err="1"/>
+              <a:t>Hadoop</a:t>
+            </a:r>
+            <a:endParaRPr lang="fr-FR" dirty="0"/>
+          </a:p>
+        </p:txBody>
+      </p:sp>
+      <p:sp>
+        <p:nvSpPr>
+          <p:cNvPr id="3" name="Espace réservé du contenu 2"/>
+          <p:cNvSpPr>
+            <a:spLocks noGrp="1"/>
+          </p:cNvSpPr>
+          <p:nvPr>
+            <p:ph idx="1"/>
+          </p:nvPr>
+        </p:nvSpPr>
+        <p:spPr/>
+        <p:txBody>
+          <a:bodyPr/>
+          <a:lstStyle/>
+          <a:p>
+            <a:r>
+              <a:rPr lang="fr-FR" dirty="0"/>
+              <a:t>Apache Hadoop est une file system </a:t>
+            </a:r>
+            <a:r>
+              <a:rPr lang="fr-FR" dirty="0" err="1"/>
+              <a:t>BigData</a:t>
+            </a:r>
+            <a:r>
+              <a:rPr lang="fr-FR" dirty="0"/>
+              <a:t> de Google désormais chez Apache</a:t>
+            </a:r>
+          </a:p>
+          <a:p>
+            <a:r>
+              <a:rPr lang="fr-FR" dirty="0" err="1"/>
+              <a:t>NoSql</a:t>
+            </a:r>
+            <a:endParaRPr lang="fr-FR" dirty="0"/>
+          </a:p>
+          <a:p>
+            <a:r>
+              <a:rPr lang="fr-FR" dirty="0"/>
+              <a:t>Big Data</a:t>
+            </a:r>
+          </a:p>
+          <a:p>
+            <a:pPr lvl="1"/>
+            <a:r>
+              <a:rPr lang="fr-FR" dirty="0" err="1"/>
+              <a:t>Peta</a:t>
+            </a:r>
+            <a:r>
+              <a:rPr lang="fr-FR" dirty="0"/>
+              <a:t> octets</a:t>
+            </a:r>
+          </a:p>
+          <a:p>
+            <a:r>
+              <a:rPr lang="fr-FR" dirty="0"/>
+              <a:t>Possède un file system réparti</a:t>
+            </a:r>
+          </a:p>
+          <a:p>
+            <a:pPr lvl="1"/>
+            <a:r>
+              <a:rPr lang="fr-FR" dirty="0"/>
+              <a:t>HDFS</a:t>
+            </a:r>
+          </a:p>
+          <a:p>
+            <a:r>
+              <a:rPr lang="fr-FR" dirty="0"/>
+              <a:t>On peut mettre n'importe quoi dessus</a:t>
+            </a:r>
+          </a:p>
+          <a:p>
+            <a:pPr lvl="1"/>
+            <a:r>
+              <a:rPr lang="fr-FR" dirty="0" err="1"/>
+              <a:t>Hive</a:t>
+            </a:r>
+            <a:endParaRPr lang="fr-FR" dirty="0"/>
+          </a:p>
+          <a:p>
+            <a:pPr lvl="1"/>
+            <a:r>
+              <a:rPr lang="fr-FR" dirty="0"/>
+              <a:t>Mongo</a:t>
+            </a:r>
+          </a:p>
+          <a:p>
+            <a:endParaRPr lang="fr-FR" dirty="0"/>
+          </a:p>
+          <a:p>
+            <a:endParaRPr lang="fr-FR" dirty="0"/>
+          </a:p>
+        </p:txBody>
+      </p:sp>
+      <p:pic>
+        <p:nvPicPr>
+          <p:cNvPr id="1026" name="Picture 2" descr="File:Hadoop logo.svg"/>
+          <p:cNvPicPr>
+            <a:picLocks noChangeAspect="1" noChangeArrowheads="1"/>
+          </p:cNvPicPr>
+          <p:nvPr/>
+        </p:nvPicPr>
+        <p:blipFill>
+          <a:blip r:embed="rId2">
+            <a:extLst>
+              <a:ext uri="{28A0092B-C50C-407E-A947-70E740481C1C}">
+                <a14:useLocalDpi xmlns:a14="http://schemas.microsoft.com/office/drawing/2010/main" val="0"/>
+              </a:ext>
+            </a:extLst>
+          </a:blip>
+          <a:srcRect/>
+          <a:stretch>
+            <a:fillRect/>
+          </a:stretch>
+        </p:blipFill>
+        <p:spPr bwMode="auto">
+          <a:xfrm>
+            <a:off x="1763688" y="-237831"/>
+            <a:ext cx="6324600" cy="1638300"/>
+          </a:xfrm>
+          <a:prstGeom prst="rect">
+            <a:avLst/>
+          </a:prstGeom>
+          <a:noFill/>
+          <a:extLst>
+            <a:ext uri="{909E8E84-426E-40DD-AFC4-6F175D3DCCD1}">
+              <a14:hiddenFill xmlns:a14="http://schemas.microsoft.com/office/drawing/2010/main">
+                <a:solidFill>
+                  <a:srgbClr val="FFFFFF"/>
+                </a:solidFill>
+              </a14:hiddenFill>
+            </a:ext>
+          </a:extLst>
+        </p:spPr>
+      </p:pic>
+    </p:spTree>
+    <p:extLst>
+      <p:ext uri="{BB962C8B-B14F-4D97-AF65-F5344CB8AC3E}">
+        <p14:creationId xmlns:p14="http://schemas.microsoft.com/office/powerpoint/2010/main" val="4076271740"/>
+      </p:ext>
+    </p:extLst>
+  </p:cSld>
+  <p:clrMapOvr>
+    <a:masterClrMapping/>
+  </p:clrMapOvr>
+</p:sld>
+</file>
+
+<file path=ppt/slides/slide20.xml><?xml version="1.0" encoding="utf-8"?>
 <p:sld xmlns:a="http://schemas.openxmlformats.org/drawingml/2006/main" xmlns:r="http://schemas.openxmlformats.org/officeDocument/2006/relationships" xmlns:p="http://schemas.openxmlformats.org/presentationml/2006/main">
   <p:cSld>
     <p:spTree>
@@ -5085,598 +5802,6 @@
 </p:sld>
 </file>
 
-<file path=ppt/slides/slide17.xml><?xml version="1.0" encoding="utf-8"?>
-<p:sld xmlns:a="http://schemas.openxmlformats.org/drawingml/2006/main" xmlns:r="http://schemas.openxmlformats.org/officeDocument/2006/relationships" xmlns:p="http://schemas.openxmlformats.org/presentationml/2006/main">
-  <p:cSld>
-    <p:spTree>
-      <p:nvGrpSpPr>
-        <p:cNvPr id="1" name=""/>
-        <p:cNvGrpSpPr/>
-        <p:nvPr/>
-      </p:nvGrpSpPr>
-      <p:grpSpPr>
-        <a:xfrm>
-          <a:off x="0" y="0"/>
-          <a:ext cx="0" cy="0"/>
-          <a:chOff x="0" y="0"/>
-          <a:chExt cx="0" cy="0"/>
-        </a:xfrm>
-      </p:grpSpPr>
-      <p:sp>
-        <p:nvSpPr>
-          <p:cNvPr id="2" name="Titre 1"/>
-          <p:cNvSpPr>
-            <a:spLocks noGrp="1"/>
-          </p:cNvSpPr>
-          <p:nvPr>
-            <p:ph type="title"/>
-          </p:nvPr>
-        </p:nvSpPr>
-        <p:spPr/>
-        <p:txBody>
-          <a:bodyPr/>
-          <a:lstStyle/>
-          <a:p>
-            <a:r>
-              <a:rPr lang="fr-FR" dirty="0"/>
-              <a:t>Ecosystème </a:t>
-            </a:r>
-            <a:r>
-              <a:rPr lang="fr-FR" dirty="0" err="1"/>
-              <a:t>Hadoop</a:t>
-            </a:r>
-            <a:endParaRPr lang="fr-FR" dirty="0"/>
-          </a:p>
-        </p:txBody>
-      </p:sp>
-      <p:pic>
-        <p:nvPicPr>
-          <p:cNvPr id="6" name="Image 5"/>
-          <p:cNvPicPr>
-            <a:picLocks noChangeAspect="1"/>
-          </p:cNvPicPr>
-          <p:nvPr/>
-        </p:nvPicPr>
-        <p:blipFill>
-          <a:blip r:embed="rId2"/>
-          <a:stretch>
-            <a:fillRect/>
-          </a:stretch>
-        </p:blipFill>
-        <p:spPr>
-          <a:xfrm>
-            <a:off x="1619672" y="980728"/>
-            <a:ext cx="6140921" cy="5055745"/>
-          </a:xfrm>
-          <a:prstGeom prst="rect">
-            <a:avLst/>
-          </a:prstGeom>
-        </p:spPr>
-      </p:pic>
-    </p:spTree>
-    <p:extLst>
-      <p:ext uri="{BB962C8B-B14F-4D97-AF65-F5344CB8AC3E}">
-        <p14:creationId xmlns:p14="http://schemas.microsoft.com/office/powerpoint/2010/main" val="1919200292"/>
-      </p:ext>
-    </p:extLst>
-  </p:cSld>
-  <p:clrMapOvr>
-    <a:masterClrMapping/>
-  </p:clrMapOvr>
-</p:sld>
-</file>
-
-<file path=ppt/slides/slide18.xml><?xml version="1.0" encoding="utf-8"?>
-<p:sld xmlns:a="http://schemas.openxmlformats.org/drawingml/2006/main" xmlns:r="http://schemas.openxmlformats.org/officeDocument/2006/relationships" xmlns:p="http://schemas.openxmlformats.org/presentationml/2006/main">
-  <p:cSld>
-    <p:spTree>
-      <p:nvGrpSpPr>
-        <p:cNvPr id="1" name=""/>
-        <p:cNvGrpSpPr/>
-        <p:nvPr/>
-      </p:nvGrpSpPr>
-      <p:grpSpPr>
-        <a:xfrm>
-          <a:off x="0" y="0"/>
-          <a:ext cx="0" cy="0"/>
-          <a:chOff x="0" y="0"/>
-          <a:chExt cx="0" cy="0"/>
-        </a:xfrm>
-      </p:grpSpPr>
-      <p:sp>
-        <p:nvSpPr>
-          <p:cNvPr id="2" name="Titre 1"/>
-          <p:cNvSpPr>
-            <a:spLocks noGrp="1"/>
-          </p:cNvSpPr>
-          <p:nvPr>
-            <p:ph type="title"/>
-          </p:nvPr>
-        </p:nvSpPr>
-        <p:spPr/>
-        <p:txBody>
-          <a:bodyPr/>
-          <a:lstStyle/>
-          <a:p>
-            <a:r>
-              <a:rPr lang="fr-FR" dirty="0"/>
-              <a:t>Distributions</a:t>
-            </a:r>
-          </a:p>
-        </p:txBody>
-      </p:sp>
-      <p:sp>
-        <p:nvSpPr>
-          <p:cNvPr id="3" name="Espace réservé du contenu 2"/>
-          <p:cNvSpPr>
-            <a:spLocks noGrp="1"/>
-          </p:cNvSpPr>
-          <p:nvPr>
-            <p:ph idx="1"/>
-          </p:nvPr>
-        </p:nvSpPr>
-        <p:spPr/>
-        <p:txBody>
-          <a:bodyPr/>
-          <a:lstStyle/>
-          <a:p>
-            <a:r>
-              <a:rPr lang="fr-FR" dirty="0"/>
-              <a:t>Il existe des distributions avec les principaux outils déjà installé, des consoles d’administration et des mises à jour</a:t>
-            </a:r>
-          </a:p>
-          <a:p>
-            <a:pPr lvl="1"/>
-            <a:r>
-              <a:rPr lang="fr-FR" dirty="0" err="1"/>
-              <a:t>MapR</a:t>
-            </a:r>
-            <a:endParaRPr lang="fr-FR" dirty="0"/>
-          </a:p>
-          <a:p>
-            <a:pPr lvl="1"/>
-            <a:r>
-              <a:rPr lang="fr-FR" dirty="0" err="1"/>
-              <a:t>Cloudera</a:t>
-            </a:r>
-            <a:endParaRPr lang="fr-FR" dirty="0"/>
-          </a:p>
-          <a:p>
-            <a:pPr lvl="1"/>
-            <a:r>
-              <a:rPr lang="fr-FR" dirty="0" err="1"/>
-              <a:t>HortonWorks</a:t>
-            </a:r>
-            <a:endParaRPr lang="fr-FR" dirty="0"/>
-          </a:p>
-          <a:p>
-            <a:endParaRPr lang="fr-FR" dirty="0"/>
-          </a:p>
-        </p:txBody>
-      </p:sp>
-    </p:spTree>
-    <p:extLst>
-      <p:ext uri="{BB962C8B-B14F-4D97-AF65-F5344CB8AC3E}">
-        <p14:creationId xmlns:p14="http://schemas.microsoft.com/office/powerpoint/2010/main" val="3799877205"/>
-      </p:ext>
-    </p:extLst>
-  </p:cSld>
-  <p:clrMapOvr>
-    <a:masterClrMapping/>
-  </p:clrMapOvr>
-</p:sld>
-</file>
-
-<file path=ppt/slides/slide19.xml><?xml version="1.0" encoding="utf-8"?>
-<p:sld xmlns:a="http://schemas.openxmlformats.org/drawingml/2006/main" xmlns:r="http://schemas.openxmlformats.org/officeDocument/2006/relationships" xmlns:p="http://schemas.openxmlformats.org/presentationml/2006/main">
-  <p:cSld>
-    <p:spTree>
-      <p:nvGrpSpPr>
-        <p:cNvPr id="1" name=""/>
-        <p:cNvGrpSpPr/>
-        <p:nvPr/>
-      </p:nvGrpSpPr>
-      <p:grpSpPr>
-        <a:xfrm>
-          <a:off x="0" y="0"/>
-          <a:ext cx="0" cy="0"/>
-          <a:chOff x="0" y="0"/>
-          <a:chExt cx="0" cy="0"/>
-        </a:xfrm>
-      </p:grpSpPr>
-      <p:sp>
-        <p:nvSpPr>
-          <p:cNvPr id="2" name="Titre 1">
-            <a:extLst>
-              <a:ext uri="{FF2B5EF4-FFF2-40B4-BE49-F238E27FC236}">
-                <a16:creationId xmlns:a16="http://schemas.microsoft.com/office/drawing/2014/main" id="{6ECDF45B-AD9D-9F13-A658-FB510A59D398}"/>
-              </a:ext>
-            </a:extLst>
-          </p:cNvPr>
-          <p:cNvSpPr>
-            <a:spLocks noGrp="1"/>
-          </p:cNvSpPr>
-          <p:nvPr>
-            <p:ph type="title"/>
-          </p:nvPr>
-        </p:nvSpPr>
-        <p:spPr/>
-        <p:txBody>
-          <a:bodyPr/>
-          <a:lstStyle/>
-          <a:p>
-            <a:r>
-              <a:rPr lang="fr-FR" dirty="0"/>
-              <a:t>Garder </a:t>
-            </a:r>
-            <a:r>
-              <a:rPr lang="fr-FR" dirty="0" err="1"/>
-              <a:t>Hive</a:t>
-            </a:r>
-            <a:endParaRPr lang="fr-FR" dirty="0"/>
-          </a:p>
-        </p:txBody>
-      </p:sp>
-      <p:sp>
-        <p:nvSpPr>
-          <p:cNvPr id="3" name="Espace réservé du contenu 2">
-            <a:extLst>
-              <a:ext uri="{FF2B5EF4-FFF2-40B4-BE49-F238E27FC236}">
-                <a16:creationId xmlns:a16="http://schemas.microsoft.com/office/drawing/2014/main" id="{9C6B3F93-BA80-7467-E496-399E0344632C}"/>
-              </a:ext>
-            </a:extLst>
-          </p:cNvPr>
-          <p:cNvSpPr>
-            <a:spLocks noGrp="1"/>
-          </p:cNvSpPr>
-          <p:nvPr>
-            <p:ph idx="1"/>
-          </p:nvPr>
-        </p:nvSpPr>
-        <p:spPr/>
-        <p:txBody>
-          <a:bodyPr/>
-          <a:lstStyle/>
-          <a:p>
-            <a:r>
-              <a:rPr lang="fr-FR" dirty="0"/>
-              <a:t>https://hive.apache.org/</a:t>
-            </a:r>
-          </a:p>
-        </p:txBody>
-      </p:sp>
-    </p:spTree>
-    <p:extLst>
-      <p:ext uri="{BB962C8B-B14F-4D97-AF65-F5344CB8AC3E}">
-        <p14:creationId xmlns:p14="http://schemas.microsoft.com/office/powerpoint/2010/main" val="1965027252"/>
-      </p:ext>
-    </p:extLst>
-  </p:cSld>
-  <p:clrMapOvr>
-    <a:masterClrMapping/>
-  </p:clrMapOvr>
-</p:sld>
-</file>
-
-<file path=ppt/slides/slide2.xml><?xml version="1.0" encoding="utf-8"?>
-<p:sld xmlns:a="http://schemas.openxmlformats.org/drawingml/2006/main" xmlns:r="http://schemas.openxmlformats.org/officeDocument/2006/relationships" xmlns:p="http://schemas.openxmlformats.org/presentationml/2006/main">
-  <p:cSld>
-    <p:spTree>
-      <p:nvGrpSpPr>
-        <p:cNvPr id="1" name=""/>
-        <p:cNvGrpSpPr/>
-        <p:nvPr/>
-      </p:nvGrpSpPr>
-      <p:grpSpPr>
-        <a:xfrm>
-          <a:off x="0" y="0"/>
-          <a:ext cx="0" cy="0"/>
-          <a:chOff x="0" y="0"/>
-          <a:chExt cx="0" cy="0"/>
-        </a:xfrm>
-      </p:grpSpPr>
-      <p:sp>
-        <p:nvSpPr>
-          <p:cNvPr id="2" name="Titre 1">
-            <a:extLst>
-              <a:ext uri="{FF2B5EF4-FFF2-40B4-BE49-F238E27FC236}">
-                <a16:creationId xmlns:a16="http://schemas.microsoft.com/office/drawing/2014/main" id="{B5FF4E86-5393-BE69-07A6-E043A2EC0E87}"/>
-              </a:ext>
-            </a:extLst>
-          </p:cNvPr>
-          <p:cNvSpPr>
-            <a:spLocks noGrp="1"/>
-          </p:cNvSpPr>
-          <p:nvPr>
-            <p:ph type="title"/>
-          </p:nvPr>
-        </p:nvSpPr>
-        <p:spPr/>
-        <p:txBody>
-          <a:bodyPr/>
-          <a:lstStyle/>
-          <a:p>
-            <a:endParaRPr lang="fr-FR"/>
-          </a:p>
-        </p:txBody>
-      </p:sp>
-      <p:sp>
-        <p:nvSpPr>
-          <p:cNvPr id="3" name="Espace réservé du contenu 2">
-            <a:extLst>
-              <a:ext uri="{FF2B5EF4-FFF2-40B4-BE49-F238E27FC236}">
-                <a16:creationId xmlns:a16="http://schemas.microsoft.com/office/drawing/2014/main" id="{C31990FC-8FB7-C4EF-A00E-978F614F26E0}"/>
-              </a:ext>
-            </a:extLst>
-          </p:cNvPr>
-          <p:cNvSpPr>
-            <a:spLocks noGrp="1"/>
-          </p:cNvSpPr>
-          <p:nvPr>
-            <p:ph idx="1"/>
-          </p:nvPr>
-        </p:nvSpPr>
-        <p:spPr/>
-        <p:txBody>
-          <a:bodyPr/>
-          <a:lstStyle/>
-          <a:p>
-            <a:r>
-              <a:rPr lang="fr-FR" dirty="0"/>
-              <a:t>Hadoop c'est jute un filesystem</a:t>
-            </a:r>
-          </a:p>
-          <a:p>
-            <a:r>
-              <a:rPr lang="fr-FR" dirty="0"/>
-              <a:t>Obligatoire &gt;1Po</a:t>
-            </a:r>
-          </a:p>
-          <a:p>
-            <a:r>
-              <a:rPr lang="fr-FR" dirty="0"/>
-              <a:t>On peut mettre n'importe quoi dessus</a:t>
-            </a:r>
-          </a:p>
-          <a:p>
-            <a:pPr lvl="1"/>
-            <a:r>
-              <a:rPr lang="fr-FR" dirty="0" err="1"/>
-              <a:t>Hive</a:t>
-            </a:r>
-            <a:endParaRPr lang="fr-FR" dirty="0"/>
-          </a:p>
-          <a:p>
-            <a:pPr lvl="1"/>
-            <a:r>
-              <a:rPr lang="fr-FR" dirty="0" err="1"/>
-              <a:t>Sqoop</a:t>
-            </a:r>
-            <a:r>
-              <a:rPr lang="fr-FR"/>
-              <a:t> = ETL </a:t>
-            </a:r>
-            <a:r>
-              <a:rPr lang="fr-FR" dirty="0"/>
-              <a:t>to import </a:t>
-            </a:r>
-            <a:r>
-              <a:rPr lang="fr-FR" dirty="0" err="1"/>
-              <a:t>pg</a:t>
-            </a:r>
-            <a:r>
-              <a:rPr lang="fr-FR" dirty="0"/>
-              <a:t> to </a:t>
-            </a:r>
-            <a:r>
-              <a:rPr lang="fr-FR" dirty="0" err="1"/>
-              <a:t>hadoop</a:t>
-            </a:r>
-            <a:endParaRPr lang="fr-FR" dirty="0"/>
-          </a:p>
-          <a:p>
-            <a:pPr lvl="1"/>
-            <a:r>
-              <a:rPr lang="fr-FR" dirty="0"/>
-              <a:t>Mongo</a:t>
-            </a:r>
-          </a:p>
-          <a:p>
-            <a:r>
-              <a:rPr lang="fr-FR" dirty="0"/>
-              <a:t>Ne pas confondre avec une BD objet (Object Storage)</a:t>
-            </a:r>
-          </a:p>
-        </p:txBody>
-      </p:sp>
-    </p:spTree>
-    <p:extLst>
-      <p:ext uri="{BB962C8B-B14F-4D97-AF65-F5344CB8AC3E}">
-        <p14:creationId xmlns:p14="http://schemas.microsoft.com/office/powerpoint/2010/main" val="2227825427"/>
-      </p:ext>
-    </p:extLst>
-  </p:cSld>
-  <p:clrMapOvr>
-    <a:masterClrMapping/>
-  </p:clrMapOvr>
-</p:sld>
-</file>
-
-<file path=ppt/slides/slide20.xml><?xml version="1.0" encoding="utf-8"?>
-<p:sld xmlns:a="http://schemas.openxmlformats.org/drawingml/2006/main" xmlns:r="http://schemas.openxmlformats.org/officeDocument/2006/relationships" xmlns:p="http://schemas.openxmlformats.org/presentationml/2006/main">
-  <p:cSld>
-    <p:spTree>
-      <p:nvGrpSpPr>
-        <p:cNvPr id="1" name=""/>
-        <p:cNvGrpSpPr/>
-        <p:nvPr/>
-      </p:nvGrpSpPr>
-      <p:grpSpPr>
-        <a:xfrm>
-          <a:off x="0" y="0"/>
-          <a:ext cx="0" cy="0"/>
-          <a:chOff x="0" y="0"/>
-          <a:chExt cx="0" cy="0"/>
-        </a:xfrm>
-      </p:grpSpPr>
-      <p:sp>
-        <p:nvSpPr>
-          <p:cNvPr id="2" name="Titre 1"/>
-          <p:cNvSpPr>
-            <a:spLocks noGrp="1"/>
-          </p:cNvSpPr>
-          <p:nvPr>
-            <p:ph type="title"/>
-          </p:nvPr>
-        </p:nvSpPr>
-        <p:spPr/>
-        <p:txBody>
-          <a:bodyPr/>
-          <a:lstStyle/>
-          <a:p>
-            <a:r>
-              <a:rPr lang="fr-FR" dirty="0" err="1"/>
-              <a:t>Hive</a:t>
-            </a:r>
-            <a:endParaRPr lang="fr-FR" dirty="0"/>
-          </a:p>
-        </p:txBody>
-      </p:sp>
-      <p:sp>
-        <p:nvSpPr>
-          <p:cNvPr id="3" name="Espace réservé du contenu 2"/>
-          <p:cNvSpPr>
-            <a:spLocks noGrp="1"/>
-          </p:cNvSpPr>
-          <p:nvPr>
-            <p:ph idx="1"/>
-          </p:nvPr>
-        </p:nvSpPr>
-        <p:spPr/>
-        <p:txBody>
-          <a:bodyPr/>
-          <a:lstStyle/>
-          <a:p>
-            <a:r>
-              <a:rPr lang="fr-FR" dirty="0" err="1"/>
-              <a:t>HBase</a:t>
-            </a:r>
-            <a:endParaRPr lang="fr-FR" dirty="0"/>
-          </a:p>
-          <a:p>
-            <a:pPr lvl="1"/>
-            <a:r>
-              <a:rPr lang="fr-FR" dirty="0"/>
-              <a:t>Permet de stocker des données tabulaires</a:t>
-            </a:r>
-          </a:p>
-          <a:p>
-            <a:pPr lvl="1"/>
-            <a:r>
-              <a:rPr lang="fr-FR" dirty="0"/>
-              <a:t>Relationnel</a:t>
-            </a:r>
-          </a:p>
-          <a:p>
-            <a:pPr lvl="1"/>
-            <a:r>
-              <a:rPr lang="fr-FR" dirty="0"/>
-              <a:t>Non ACID</a:t>
-            </a:r>
-          </a:p>
-          <a:p>
-            <a:r>
-              <a:rPr lang="fr-FR" dirty="0" err="1"/>
-              <a:t>Hive</a:t>
-            </a:r>
-            <a:r>
-              <a:rPr lang="fr-FR" dirty="0"/>
-              <a:t> Permet de lire des tables relationnelles depuis </a:t>
-            </a:r>
-            <a:r>
-              <a:rPr lang="fr-FR" dirty="0" err="1"/>
-              <a:t>Hadoop</a:t>
-            </a:r>
-            <a:r>
-              <a:rPr lang="fr-FR" dirty="0"/>
-              <a:t> avec le format </a:t>
-            </a:r>
-            <a:r>
-              <a:rPr lang="fr-FR" dirty="0" err="1"/>
-              <a:t>Sql</a:t>
-            </a:r>
-            <a:endParaRPr lang="fr-FR" dirty="0"/>
-          </a:p>
-          <a:p>
-            <a:pPr lvl="1"/>
-            <a:r>
-              <a:rPr lang="fr-FR" dirty="0" err="1"/>
-              <a:t>HiveQL</a:t>
-            </a:r>
-            <a:endParaRPr lang="fr-FR" dirty="0"/>
-          </a:p>
-          <a:p>
-            <a:pPr marL="0" indent="0">
-              <a:buNone/>
-            </a:pPr>
-            <a:endParaRPr lang="fr-FR" dirty="0"/>
-          </a:p>
-        </p:txBody>
-      </p:sp>
-      <p:pic>
-        <p:nvPicPr>
-          <p:cNvPr id="4098" name="Picture 2" descr="Logo"/>
-          <p:cNvPicPr>
-            <a:picLocks noChangeAspect="1" noChangeArrowheads="1"/>
-          </p:cNvPicPr>
-          <p:nvPr/>
-        </p:nvPicPr>
-        <p:blipFill>
-          <a:blip r:embed="rId2" cstate="print">
-            <a:extLst>
-              <a:ext uri="{28A0092B-C50C-407E-A947-70E740481C1C}">
-                <a14:useLocalDpi xmlns:a14="http://schemas.microsoft.com/office/drawing/2010/main" val="0"/>
-              </a:ext>
-            </a:extLst>
-          </a:blip>
-          <a:srcRect/>
-          <a:stretch>
-            <a:fillRect/>
-          </a:stretch>
-        </p:blipFill>
-        <p:spPr bwMode="auto">
-          <a:xfrm>
-            <a:off x="3851920" y="-572705"/>
-            <a:ext cx="2184177" cy="1965760"/>
-          </a:xfrm>
-          <a:prstGeom prst="rect">
-            <a:avLst/>
-          </a:prstGeom>
-          <a:noFill/>
-          <a:extLst>
-            <a:ext uri="{909E8E84-426E-40DD-AFC4-6F175D3DCCD1}">
-              <a14:hiddenFill xmlns:a14="http://schemas.microsoft.com/office/drawing/2010/main">
-                <a:solidFill>
-                  <a:srgbClr val="FFFFFF"/>
-                </a:solidFill>
-              </a14:hiddenFill>
-            </a:ext>
-          </a:extLst>
-        </p:spPr>
-      </p:pic>
-    </p:spTree>
-    <p:extLst>
-      <p:ext uri="{BB962C8B-B14F-4D97-AF65-F5344CB8AC3E}">
-        <p14:creationId xmlns:p14="http://schemas.microsoft.com/office/powerpoint/2010/main" val="2719812352"/>
-      </p:ext>
-    </p:extLst>
-  </p:cSld>
-  <p:clrMapOvr>
-    <a:masterClrMapping/>
-  </p:clrMapOvr>
-</p:sld>
-</file>
-
 <file path=ppt/slides/slide21.xml><?xml version="1.0" encoding="utf-8"?>
 <p:sld xmlns:a="http://schemas.openxmlformats.org/drawingml/2006/main" xmlns:r="http://schemas.openxmlformats.org/officeDocument/2006/relationships" xmlns:p="http://schemas.openxmlformats.org/presentationml/2006/main">
   <p:cSld>
@@ -5711,44 +5836,11 @@
           <a:p>
             <a:r>
               <a:rPr lang="fr-FR" dirty="0"/>
-              <a:t>Hue</a:t>
-            </a:r>
-          </a:p>
-        </p:txBody>
-      </p:sp>
-      <p:sp>
-        <p:nvSpPr>
-          <p:cNvPr id="3" name="Espace réservé du contenu 2"/>
-          <p:cNvSpPr>
-            <a:spLocks noGrp="1"/>
-          </p:cNvSpPr>
-          <p:nvPr>
-            <p:ph idx="1"/>
-          </p:nvPr>
-        </p:nvSpPr>
-        <p:spPr/>
-        <p:txBody>
-          <a:bodyPr/>
-          <a:lstStyle/>
-          <a:p>
-            <a:r>
-              <a:rPr lang="fr-FR" dirty="0"/>
-              <a:t>Hue est une interface graphique pour </a:t>
+              <a:t>Ecosystème </a:t>
             </a:r>
             <a:r>
               <a:rPr lang="fr-FR" dirty="0" err="1"/>
-              <a:t>Hive</a:t>
-            </a:r>
-            <a:endParaRPr lang="fr-FR" dirty="0"/>
-          </a:p>
-          <a:p>
-            <a:r>
-              <a:rPr lang="fr-FR" dirty="0"/>
-              <a:t>Compatible Impala et </a:t>
-            </a:r>
-            <a:r>
-              <a:rPr lang="fr-FR" dirty="0" err="1"/>
-              <a:t>Hive</a:t>
+              <a:t>Hadoop</a:t>
             </a:r>
             <a:endParaRPr lang="fr-FR" dirty="0"/>
           </a:p>
@@ -5756,49 +5848,32 @@
       </p:sp>
       <p:pic>
         <p:nvPicPr>
-          <p:cNvPr id="5122" name="Picture 2" descr="Screen shot of Impala Query Editor being selected"/>
+          <p:cNvPr id="6" name="Image 5"/>
           <p:cNvPicPr>
-            <a:picLocks noChangeAspect="1" noChangeArrowheads="1"/>
+            <a:picLocks noChangeAspect="1"/>
           </p:cNvPicPr>
           <p:nvPr/>
         </p:nvPicPr>
         <p:blipFill>
-          <a:blip r:embed="rId2">
-            <a:extLst>
-              <a:ext uri="{28A0092B-C50C-407E-A947-70E740481C1C}">
-                <a14:useLocalDpi xmlns:a14="http://schemas.microsoft.com/office/drawing/2010/main" val="0"/>
-              </a:ext>
-            </a:extLst>
-          </a:blip>
-          <a:srcRect/>
+          <a:blip r:embed="rId2"/>
           <a:stretch>
             <a:fillRect/>
           </a:stretch>
         </p:blipFill>
-        <p:spPr bwMode="auto">
+        <p:spPr>
           <a:xfrm>
-            <a:off x="755576" y="2420888"/>
-            <a:ext cx="8856984" cy="5201064"/>
+            <a:off x="1619672" y="980728"/>
+            <a:ext cx="6140921" cy="5055745"/>
           </a:xfrm>
           <a:prstGeom prst="rect">
             <a:avLst/>
           </a:prstGeom>
-          <a:noFill/>
-          <a:extLst>
-            <a:ext uri="{909E8E84-426E-40DD-AFC4-6F175D3DCCD1}">
-              <a14:hiddenFill xmlns:a14="http://schemas.microsoft.com/office/drawing/2010/main">
-                <a:solidFill>
-                  <a:srgbClr val="FFFFFF"/>
-                </a:solidFill>
-              </a14:hiddenFill>
-            </a:ext>
-          </a:extLst>
         </p:spPr>
       </p:pic>
     </p:spTree>
     <p:extLst>
       <p:ext uri="{BB962C8B-B14F-4D97-AF65-F5344CB8AC3E}">
-        <p14:creationId xmlns:p14="http://schemas.microsoft.com/office/powerpoint/2010/main" val="4093451056"/>
+        <p14:creationId xmlns:p14="http://schemas.microsoft.com/office/powerpoint/2010/main" val="1919200292"/>
       </p:ext>
     </p:extLst>
   </p:cSld>
@@ -5842,64 +5917,64 @@
           <a:p>
             <a:r>
               <a:rPr lang="fr-FR" dirty="0"/>
-              <a:t>Ma 1</a:t>
-            </a:r>
-            <a:r>
-              <a:rPr lang="fr-FR" baseline="30000" dirty="0"/>
-              <a:t>ère</a:t>
-            </a:r>
-            <a:r>
-              <a:rPr lang="fr-FR" dirty="0"/>
-              <a:t> requête</a:t>
+              <a:t>Distributions</a:t>
             </a:r>
           </a:p>
         </p:txBody>
       </p:sp>
-      <p:pic>
-        <p:nvPicPr>
-          <p:cNvPr id="7170" name="Picture 2" descr="Screen shot of table list"/>
-          <p:cNvPicPr>
-            <a:picLocks noChangeAspect="1" noChangeArrowheads="1"/>
-          </p:cNvPicPr>
-          <p:nvPr/>
-        </p:nvPicPr>
-        <p:blipFill>
-          <a:blip r:embed="rId2">
-            <a:extLst>
-              <a:ext uri="{28A0092B-C50C-407E-A947-70E740481C1C}">
-                <a14:useLocalDpi xmlns:a14="http://schemas.microsoft.com/office/drawing/2010/main" val="0"/>
-              </a:ext>
-            </a:extLst>
-          </a:blip>
-          <a:srcRect/>
-          <a:stretch>
-            <a:fillRect/>
-          </a:stretch>
-        </p:blipFill>
-        <p:spPr bwMode="auto">
-          <a:xfrm>
-            <a:off x="0" y="908720"/>
-            <a:ext cx="10131133" cy="5949280"/>
-          </a:xfrm>
-          <a:prstGeom prst="rect">
-            <a:avLst/>
-          </a:prstGeom>
-          <a:noFill/>
-          <a:extLst>
-            <a:ext uri="{909E8E84-426E-40DD-AFC4-6F175D3DCCD1}">
-              <a14:hiddenFill xmlns:a14="http://schemas.microsoft.com/office/drawing/2010/main">
-                <a:solidFill>
-                  <a:srgbClr val="FFFFFF"/>
-                </a:solidFill>
-              </a14:hiddenFill>
-            </a:ext>
-          </a:extLst>
-        </p:spPr>
-      </p:pic>
+      <p:sp>
+        <p:nvSpPr>
+          <p:cNvPr id="3" name="Espace réservé du contenu 2"/>
+          <p:cNvSpPr>
+            <a:spLocks noGrp="1"/>
+          </p:cNvSpPr>
+          <p:nvPr>
+            <p:ph idx="1"/>
+          </p:nvPr>
+        </p:nvSpPr>
+        <p:spPr/>
+        <p:txBody>
+          <a:bodyPr/>
+          <a:lstStyle/>
+          <a:p>
+            <a:r>
+              <a:rPr lang="fr-FR" dirty="0"/>
+              <a:t>Il existe des distributions avec les principaux outils déjà installé, des consoles d’administration et des mises à jour</a:t>
+            </a:r>
+          </a:p>
+          <a:p>
+            <a:pPr lvl="1"/>
+            <a:r>
+              <a:rPr lang="fr-FR" dirty="0" err="1"/>
+              <a:t>MapR</a:t>
+            </a:r>
+            <a:endParaRPr lang="fr-FR" dirty="0"/>
+          </a:p>
+          <a:p>
+            <a:pPr lvl="1"/>
+            <a:r>
+              <a:rPr lang="fr-FR" dirty="0" err="1"/>
+              <a:t>Cloudera</a:t>
+            </a:r>
+            <a:endParaRPr lang="fr-FR" dirty="0"/>
+          </a:p>
+          <a:p>
+            <a:pPr lvl="1"/>
+            <a:r>
+              <a:rPr lang="fr-FR" dirty="0" err="1"/>
+              <a:t>HortonWorks</a:t>
+            </a:r>
+            <a:endParaRPr lang="fr-FR" dirty="0"/>
+          </a:p>
+          <a:p>
+            <a:endParaRPr lang="fr-FR" dirty="0"/>
+          </a:p>
+        </p:txBody>
+      </p:sp>
     </p:spTree>
     <p:extLst>
       <p:ext uri="{BB962C8B-B14F-4D97-AF65-F5344CB8AC3E}">
-        <p14:creationId xmlns:p14="http://schemas.microsoft.com/office/powerpoint/2010/main" val="3275460355"/>
+        <p14:creationId xmlns:p14="http://schemas.microsoft.com/office/powerpoint/2010/main" val="3799877205"/>
       </p:ext>
     </p:extLst>
   </p:cSld>
@@ -5910,99 +5985,6 @@
 </file>
 
 <file path=ppt/slides/slide23.xml><?xml version="1.0" encoding="utf-8"?>
-<p:sld xmlns:a="http://schemas.openxmlformats.org/drawingml/2006/main" xmlns:r="http://schemas.openxmlformats.org/officeDocument/2006/relationships" xmlns:p="http://schemas.openxmlformats.org/presentationml/2006/main">
-  <p:cSld>
-    <p:spTree>
-      <p:nvGrpSpPr>
-        <p:cNvPr id="1" name=""/>
-        <p:cNvGrpSpPr/>
-        <p:nvPr/>
-      </p:nvGrpSpPr>
-      <p:grpSpPr>
-        <a:xfrm>
-          <a:off x="0" y="0"/>
-          <a:ext cx="0" cy="0"/>
-          <a:chOff x="0" y="0"/>
-          <a:chExt cx="0" cy="0"/>
-        </a:xfrm>
-      </p:grpSpPr>
-      <p:sp>
-        <p:nvSpPr>
-          <p:cNvPr id="2" name="Titre 1"/>
-          <p:cNvSpPr>
-            <a:spLocks noGrp="1"/>
-          </p:cNvSpPr>
-          <p:nvPr>
-            <p:ph type="title"/>
-          </p:nvPr>
-        </p:nvSpPr>
-        <p:spPr/>
-        <p:txBody>
-          <a:bodyPr/>
-          <a:lstStyle/>
-          <a:p>
-            <a:r>
-              <a:rPr lang="fr-FR" dirty="0"/>
-              <a:t>Requête complexe</a:t>
-            </a:r>
-          </a:p>
-        </p:txBody>
-      </p:sp>
-      <p:pic>
-        <p:nvPicPr>
-          <p:cNvPr id="8194" name="Picture 2" descr="Screen shot of 10 most popular product categories"/>
-          <p:cNvPicPr>
-            <a:picLocks noChangeAspect="1" noChangeArrowheads="1"/>
-          </p:cNvPicPr>
-          <p:nvPr/>
-        </p:nvPicPr>
-        <p:blipFill>
-          <a:blip r:embed="rId2">
-            <a:extLst>
-              <a:ext uri="{28A0092B-C50C-407E-A947-70E740481C1C}">
-                <a14:useLocalDpi xmlns:a14="http://schemas.microsoft.com/office/drawing/2010/main" val="0"/>
-              </a:ext>
-            </a:extLst>
-          </a:blip>
-          <a:srcRect/>
-          <a:stretch>
-            <a:fillRect/>
-          </a:stretch>
-        </p:blipFill>
-        <p:spPr bwMode="auto">
-          <a:xfrm>
-            <a:off x="0" y="980728"/>
-            <a:ext cx="10008510" cy="5877272"/>
-          </a:xfrm>
-          <a:prstGeom prst="rect">
-            <a:avLst/>
-          </a:prstGeom>
-          <a:noFill/>
-          <a:extLst>
-            <a:ext uri="{909E8E84-426E-40DD-AFC4-6F175D3DCCD1}">
-              <a14:hiddenFill xmlns:a14="http://schemas.microsoft.com/office/drawing/2010/main">
-                <a:solidFill>
-                  <a:srgbClr val="FFFFFF"/>
-                </a:solidFill>
-              </a14:hiddenFill>
-            </a:ext>
-          </a:extLst>
-        </p:spPr>
-      </p:pic>
-    </p:spTree>
-    <p:extLst>
-      <p:ext uri="{BB962C8B-B14F-4D97-AF65-F5344CB8AC3E}">
-        <p14:creationId xmlns:p14="http://schemas.microsoft.com/office/powerpoint/2010/main" val="3932175544"/>
-      </p:ext>
-    </p:extLst>
-  </p:cSld>
-  <p:clrMapOvr>
-    <a:masterClrMapping/>
-  </p:clrMapOvr>
-</p:sld>
-</file>
-
-<file path=ppt/slides/slide24.xml><?xml version="1.0" encoding="utf-8"?>
 <p:sld xmlns:a="http://schemas.openxmlformats.org/drawingml/2006/main" xmlns:r="http://schemas.openxmlformats.org/officeDocument/2006/relationships" xmlns:p="http://schemas.openxmlformats.org/presentationml/2006/main">
   <p:cSld>
     <p:spTree>
@@ -7206,145 +7188,6 @@
 </p:sld>
 </file>
 
-<file path=ppt/slides/slide25.xml><?xml version="1.0" encoding="utf-8"?>
-<p:sld xmlns:a="http://schemas.openxmlformats.org/drawingml/2006/main" xmlns:r="http://schemas.openxmlformats.org/officeDocument/2006/relationships" xmlns:p="http://schemas.openxmlformats.org/presentationml/2006/main">
-  <p:cSld>
-    <p:spTree>
-      <p:nvGrpSpPr>
-        <p:cNvPr id="1" name=""/>
-        <p:cNvGrpSpPr/>
-        <p:nvPr/>
-      </p:nvGrpSpPr>
-      <p:grpSpPr>
-        <a:xfrm>
-          <a:off x="0" y="0"/>
-          <a:ext cx="0" cy="0"/>
-          <a:chOff x="0" y="0"/>
-          <a:chExt cx="0" cy="0"/>
-        </a:xfrm>
-      </p:grpSpPr>
-      <p:sp>
-        <p:nvSpPr>
-          <p:cNvPr id="2" name="Titre 1"/>
-          <p:cNvSpPr>
-            <a:spLocks noGrp="1"/>
-          </p:cNvSpPr>
-          <p:nvPr>
-            <p:ph type="title"/>
-          </p:nvPr>
-        </p:nvSpPr>
-        <p:spPr/>
-        <p:txBody>
-          <a:bodyPr/>
-          <a:lstStyle/>
-          <a:p>
-            <a:r>
-              <a:rPr lang="fr-FR" dirty="0" err="1"/>
-              <a:t>Spark</a:t>
-            </a:r>
-            <a:endParaRPr lang="fr-FR" dirty="0"/>
-          </a:p>
-        </p:txBody>
-      </p:sp>
-      <p:sp>
-        <p:nvSpPr>
-          <p:cNvPr id="3" name="Espace réservé du contenu 2"/>
-          <p:cNvSpPr>
-            <a:spLocks noGrp="1"/>
-          </p:cNvSpPr>
-          <p:nvPr>
-            <p:ph idx="1"/>
-          </p:nvPr>
-        </p:nvSpPr>
-        <p:spPr/>
-        <p:txBody>
-          <a:bodyPr/>
-          <a:lstStyle/>
-          <a:p>
-            <a:r>
-              <a:rPr lang="fr-FR" dirty="0"/>
-              <a:t>La différence fondamentale entre </a:t>
-            </a:r>
-            <a:r>
-              <a:rPr lang="fr-FR" dirty="0" err="1"/>
-              <a:t>Hadoop</a:t>
-            </a:r>
-            <a:r>
-              <a:rPr lang="fr-FR" dirty="0"/>
-              <a:t> </a:t>
-            </a:r>
-            <a:r>
-              <a:rPr lang="fr-FR" dirty="0" err="1"/>
-              <a:t>MapReduce</a:t>
-            </a:r>
-            <a:r>
-              <a:rPr lang="fr-FR" dirty="0"/>
-              <a:t> et </a:t>
-            </a:r>
-            <a:r>
-              <a:rPr lang="fr-FR" dirty="0" err="1"/>
-              <a:t>Spark</a:t>
-            </a:r>
-            <a:r>
-              <a:rPr lang="fr-FR" dirty="0"/>
-              <a:t> est que </a:t>
-            </a:r>
-            <a:r>
-              <a:rPr lang="fr-FR" dirty="0" err="1"/>
-              <a:t>Spark</a:t>
-            </a:r>
-            <a:r>
-              <a:rPr lang="fr-FR" dirty="0"/>
-              <a:t> écrit les données en RAM</a:t>
-            </a:r>
-          </a:p>
-          <a:p>
-            <a:pPr lvl="1"/>
-            <a:r>
-              <a:rPr lang="fr-FR" dirty="0"/>
-              <a:t>Ceci a plusieurs conséquences importantes sur la rapidité de traitement des calculs ainsi que sur l'architecture globale de </a:t>
-            </a:r>
-            <a:r>
-              <a:rPr lang="fr-FR" dirty="0" err="1"/>
-              <a:t>Spark</a:t>
-            </a:r>
-            <a:endParaRPr lang="fr-FR" dirty="0"/>
-          </a:p>
-          <a:p>
-            <a:pPr lvl="1"/>
-            <a:r>
-              <a:rPr lang="fr-FR" dirty="0"/>
-              <a:t>le choix de stocker les données intermédiaires en RAM a des conséquences sur l'architecture même de </a:t>
-            </a:r>
-            <a:r>
-              <a:rPr lang="fr-FR" dirty="0" err="1"/>
-              <a:t>Spark</a:t>
-            </a:r>
-            <a:r>
-              <a:rPr lang="fr-FR" dirty="0"/>
-              <a:t>. En particulier, comment avec des données en RAM, garantir une tolérance aux pannes ? Dès qu'une machine devient indisponible, les données qu'elle stockait en RAM deviennent également </a:t>
-            </a:r>
-            <a:r>
-              <a:rPr lang="fr-FR"/>
-              <a:t>indisponibles.</a:t>
-            </a:r>
-            <a:endParaRPr lang="fr-FR" dirty="0"/>
-          </a:p>
-        </p:txBody>
-      </p:sp>
-    </p:spTree>
-    <p:extLst>
-      <p:ext uri="{BB962C8B-B14F-4D97-AF65-F5344CB8AC3E}">
-        <p14:creationId xmlns:p14="http://schemas.microsoft.com/office/powerpoint/2010/main" val="3576593310"/>
-      </p:ext>
-    </p:extLst>
-  </p:cSld>
-  <p:clrMapOvr>
-    <a:masterClrMapping/>
-  </p:clrMapOvr>
-</p:sld>
-</file>
-
 <file path=ppt/slides/slide3.xml><?xml version="1.0" encoding="utf-8"?>
 <p:sld xmlns:a="http://schemas.openxmlformats.org/drawingml/2006/main" xmlns:r="http://schemas.openxmlformats.org/officeDocument/2006/relationships" xmlns:p="http://schemas.openxmlformats.org/presentationml/2006/main">
   <p:cSld>
@@ -7402,124 +7245,86 @@
           <a:p>
             <a:r>
               <a:rPr lang="fr-FR" dirty="0"/>
-              <a:t>Apache </a:t>
+              <a:t>Très utile pour un </a:t>
             </a:r>
             <a:r>
               <a:rPr lang="fr-FR" dirty="0" err="1"/>
-              <a:t>Hadoop</a:t>
-            </a:r>
+              <a:t>DataLake</a:t>
+            </a:r>
+            <a:endParaRPr lang="fr-FR" dirty="0"/>
+          </a:p>
+          <a:p>
             <a:r>
               <a:rPr lang="fr-FR" dirty="0"/>
-              <a:t> est une base de données de Google</a:t>
+              <a:t>Complètement 3V</a:t>
             </a:r>
           </a:p>
           <a:p>
             <a:r>
               <a:rPr lang="fr-FR" dirty="0" err="1"/>
-              <a:t>NoSql</a:t>
-            </a:r>
+              <a:t>Possèble</a:t>
+            </a:r>
+            <a:r>
+              <a:rPr lang="fr-FR" dirty="0"/>
+              <a:t> un ETL pour importer et exporter des données depuis un système classique</a:t>
+            </a:r>
+          </a:p>
+          <a:p>
             <a:endParaRPr lang="fr-FR" dirty="0"/>
           </a:p>
           <a:p>
-            <a:pPr lvl="1"/>
-            <a:r>
-              <a:rPr lang="fr-FR" dirty="0" err="1"/>
-              <a:t>Map</a:t>
-            </a:r>
-            <a:r>
-              <a:rPr lang="fr-FR" dirty="0"/>
-              <a:t> </a:t>
-            </a:r>
-            <a:r>
-              <a:rPr lang="fr-FR" dirty="0" err="1"/>
-              <a:t>Reduce</a:t>
-            </a:r>
             <a:endParaRPr lang="fr-FR" dirty="0"/>
-          </a:p>
-          <a:p>
-            <a:r>
-              <a:rPr lang="fr-FR" dirty="0" err="1"/>
-              <a:t>Big</a:t>
-            </a:r>
-            <a:r>
-              <a:rPr lang="fr-FR" dirty="0"/>
-              <a:t> Data</a:t>
-            </a:r>
-          </a:p>
-          <a:p>
-            <a:pPr lvl="1"/>
-            <a:r>
-              <a:rPr lang="fr-FR" dirty="0" err="1"/>
-              <a:t>Peta</a:t>
-            </a:r>
-            <a:r>
-              <a:rPr lang="fr-FR" dirty="0"/>
-              <a:t> octets</a:t>
-            </a:r>
-          </a:p>
-          <a:p>
-            <a:r>
-              <a:rPr lang="fr-FR" dirty="0"/>
-              <a:t>Possède un file system réparti</a:t>
-            </a:r>
-          </a:p>
-          <a:p>
-            <a:pPr lvl="1"/>
-            <a:r>
-              <a:rPr lang="fr-FR" dirty="0"/>
-              <a:t>HDFS</a:t>
-            </a:r>
-          </a:p>
-          <a:p>
-            <a:r>
-              <a:rPr lang="fr-FR" dirty="0"/>
-              <a:t>Possède un </a:t>
-            </a:r>
-            <a:r>
-              <a:rPr lang="fr-FR" dirty="0" err="1"/>
-              <a:t>scheduler</a:t>
-            </a:r>
-            <a:r>
-              <a:rPr lang="fr-FR" dirty="0"/>
-              <a:t> de job</a:t>
-            </a:r>
-          </a:p>
-          <a:p>
-            <a:pPr marL="457200" lvl="1" indent="0">
-              <a:buNone/>
-            </a:pPr>
-            <a:r>
-              <a:rPr lang="fr-FR" dirty="0"/>
-              <a:t>YARN</a:t>
-            </a:r>
           </a:p>
         </p:txBody>
       </p:sp>
       <p:pic>
         <p:nvPicPr>
-          <p:cNvPr id="1026" name="Picture 2" descr="File:Hadoop logo.svg"/>
+          <p:cNvPr id="5" name="Image 4">
+            <a:extLst>
+              <a:ext uri="{FF2B5EF4-FFF2-40B4-BE49-F238E27FC236}">
+                <a16:creationId xmlns:a16="http://schemas.microsoft.com/office/drawing/2014/main" id="{F45A3126-CF93-DEC2-C5B2-69260044CA21}"/>
+              </a:ext>
+            </a:extLst>
+          </p:cNvPr>
           <p:cNvPicPr>
-            <a:picLocks noChangeAspect="1" noChangeArrowheads="1"/>
+            <a:picLocks noChangeAspect="1"/>
           </p:cNvPicPr>
           <p:nvPr/>
         </p:nvPicPr>
         <p:blipFill>
-          <a:blip r:embed="rId2">
-            <a:extLst>
-              <a:ext uri="{28A0092B-C50C-407E-A947-70E740481C1C}">
-                <a14:useLocalDpi xmlns:a14="http://schemas.microsoft.com/office/drawing/2010/main" val="0"/>
-              </a:ext>
-            </a:extLst>
-          </a:blip>
-          <a:srcRect/>
+          <a:blip r:embed="rId2"/>
           <a:stretch>
             <a:fillRect/>
           </a:stretch>
         </p:blipFill>
+        <p:spPr>
+          <a:xfrm>
+            <a:off x="5004048" y="3645024"/>
+            <a:ext cx="2943636" cy="1428949"/>
+          </a:xfrm>
+          <a:prstGeom prst="rect">
+            <a:avLst/>
+          </a:prstGeom>
+        </p:spPr>
+      </p:pic>
+      <p:sp>
+        <p:nvSpPr>
+          <p:cNvPr id="6" name="AutoShape 2" descr="undefined">
+            <a:extLst>
+              <a:ext uri="{FF2B5EF4-FFF2-40B4-BE49-F238E27FC236}">
+                <a16:creationId xmlns:a16="http://schemas.microsoft.com/office/drawing/2014/main" id="{D56F3C8C-B920-FEFD-B757-CB70697EA90D}"/>
+              </a:ext>
+            </a:extLst>
+          </p:cNvPr>
+          <p:cNvSpPr>
+            <a:spLocks noChangeAspect="1" noChangeArrowheads="1"/>
+          </p:cNvSpPr>
+          <p:nvPr/>
+        </p:nvSpPr>
         <p:spPr bwMode="auto">
           <a:xfrm>
-            <a:off x="1763688" y="-237831"/>
-            <a:ext cx="6324600" cy="1638300"/>
+            <a:off x="4419600" y="3276600"/>
+            <a:ext cx="304800" cy="304800"/>
           </a:xfrm>
           <a:prstGeom prst="rect">
             <a:avLst/>
@@ -7535,11 +7340,52 @@
             </a:ext>
           </a:extLst>
         </p:spPr>
+        <p:txBody>
+          <a:bodyPr vert="horz" wrap="square" lIns="91440" tIns="45720" rIns="91440" bIns="45720" numCol="1" anchor="t" anchorCtr="0" compatLnSpc="1">
+            <a:prstTxWarp prst="textNoShape">
+              <a:avLst/>
+            </a:prstTxWarp>
+          </a:bodyPr>
+          <a:lstStyle/>
+          <a:p>
+            <a:endParaRPr lang="fr-FR"/>
+          </a:p>
+        </p:txBody>
+      </p:sp>
+      <p:pic>
+        <p:nvPicPr>
+          <p:cNvPr id="8" name="Image 7">
+            <a:extLst>
+              <a:ext uri="{FF2B5EF4-FFF2-40B4-BE49-F238E27FC236}">
+                <a16:creationId xmlns:a16="http://schemas.microsoft.com/office/drawing/2014/main" id="{693BCFE3-CFB5-53EF-E5F1-2D0504B35B21}"/>
+              </a:ext>
+            </a:extLst>
+          </p:cNvPr>
+          <p:cNvPicPr>
+            <a:picLocks noChangeAspect="1"/>
+          </p:cNvPicPr>
+          <p:nvPr/>
+        </p:nvPicPr>
+        <p:blipFill>
+          <a:blip r:embed="rId3"/>
+          <a:stretch>
+            <a:fillRect/>
+          </a:stretch>
+        </p:blipFill>
+        <p:spPr>
+          <a:xfrm>
+            <a:off x="831229" y="3710833"/>
+            <a:ext cx="3858163" cy="1800476"/>
+          </a:xfrm>
+          <a:prstGeom prst="rect">
+            <a:avLst/>
+          </a:prstGeom>
+        </p:spPr>
       </p:pic>
     </p:spTree>
     <p:extLst>
       <p:ext uri="{BB962C8B-B14F-4D97-AF65-F5344CB8AC3E}">
-        <p14:creationId xmlns:p14="http://schemas.microsoft.com/office/powerpoint/2010/main" val="4076271740"/>
+        <p14:creationId xmlns:p14="http://schemas.microsoft.com/office/powerpoint/2010/main" val="1070438365"/>
       </p:ext>
     </p:extLst>
   </p:cSld>
@@ -7582,10 +7428,9 @@
           <a:lstStyle/>
           <a:p>
             <a:r>
-              <a:rPr lang="fr-FR" dirty="0" err="1"/>
-              <a:t>Hadoop</a:t>
-            </a:r>
-            <a:endParaRPr lang="fr-FR" dirty="0"/>
+              <a:rPr lang="fr-FR" dirty="0"/>
+              <a:t>Démarrage</a:t>
+            </a:r>
           </a:p>
         </p:txBody>
       </p:sp>
@@ -7606,54 +7451,97 @@
           <a:p>
             <a:r>
               <a:rPr lang="fr-FR" dirty="0"/>
-              <a:t>Très utile pour un </a:t>
+              <a:t>Dans </a:t>
             </a:r>
             <a:r>
               <a:rPr lang="fr-FR" dirty="0" err="1"/>
-              <a:t>DataLake</a:t>
+              <a:t>hadoop</a:t>
+            </a:r>
+            <a:r>
+              <a:rPr lang="fr-FR" dirty="0"/>
+              <a:t>/</a:t>
+            </a:r>
+            <a:r>
+              <a:rPr lang="fr-FR" dirty="0" err="1"/>
+              <a:t>sbin</a:t>
             </a:r>
             <a:endParaRPr lang="fr-FR" dirty="0"/>
           </a:p>
           <a:p>
+            <a:r>
+              <a:rPr lang="fr-FR" dirty="0"/>
+              <a:t>Nécessite Java</a:t>
+            </a:r>
+          </a:p>
+          <a:p>
+            <a:r>
+              <a:rPr lang="fr-FR" dirty="0"/>
+              <a:t>Commandes HDFS</a:t>
+            </a:r>
+          </a:p>
+          <a:p>
             <a:pPr lvl="1"/>
             <a:r>
+              <a:rPr lang="fr-FR" dirty="0" err="1"/>
+              <a:t>hdfs</a:t>
+            </a:r>
+            <a:r>
               <a:rPr lang="fr-FR" dirty="0"/>
-              <a:t>Algorithme </a:t>
+              <a:t> </a:t>
             </a:r>
             <a:r>
               <a:rPr lang="fr-FR" dirty="0" err="1"/>
-              <a:t>map-reduce</a:t>
-            </a:r>
-            <a:endParaRPr lang="fr-FR" dirty="0"/>
-          </a:p>
-          <a:p>
+              <a:t>namenode</a:t>
+            </a:r>
             <a:r>
               <a:rPr lang="fr-FR" dirty="0"/>
-              <a:t>Peut être également utilisé comme un </a:t>
-            </a:r>
+              <a:t> –format</a:t>
+            </a:r>
+          </a:p>
+          <a:p>
+            <a:pPr lvl="1"/>
             <a:r>
               <a:rPr lang="fr-FR" dirty="0" err="1"/>
-              <a:t>DataMart</a:t>
-            </a:r>
-            <a:endParaRPr lang="fr-FR" dirty="0"/>
+              <a:t>hdfs</a:t>
+            </a:r>
+            <a:r>
+              <a:rPr lang="fr-FR" dirty="0"/>
+              <a:t> </a:t>
+            </a:r>
+            <a:r>
+              <a:rPr lang="fr-FR" dirty="0" err="1"/>
+              <a:t>dfs</a:t>
+            </a:r>
+            <a:r>
+              <a:rPr lang="fr-FR" dirty="0"/>
+              <a:t> -</a:t>
+            </a:r>
+            <a:r>
+              <a:rPr lang="fr-FR" dirty="0" err="1"/>
+              <a:t>ls</a:t>
+            </a:r>
+            <a:r>
+              <a:rPr lang="fr-FR" dirty="0"/>
+              <a:t> /</a:t>
+            </a:r>
           </a:p>
           <a:p>
             <a:pPr lvl="1"/>
             <a:r>
               <a:rPr lang="fr-FR" dirty="0" err="1"/>
-              <a:t>Hive</a:t>
+              <a:t>hdfs</a:t>
             </a:r>
             <a:r>
               <a:rPr lang="fr-FR" dirty="0"/>
-              <a:t> est une application </a:t>
+              <a:t> </a:t>
             </a:r>
             <a:r>
               <a:rPr lang="fr-FR" dirty="0" err="1"/>
-              <a:t>Hadoop</a:t>
+              <a:t>dfs</a:t>
             </a:r>
             <a:r>
               <a:rPr lang="fr-FR" dirty="0"/>
-              <a:t> permettant d’attaquer des informations en SQL</a:t>
+              <a:t> -put /d:/hello.txt /</a:t>
             </a:r>
           </a:p>
         </p:txBody>
@@ -7661,7 +7549,7 @@
     </p:spTree>
     <p:extLst>
       <p:ext uri="{BB962C8B-B14F-4D97-AF65-F5344CB8AC3E}">
-        <p14:creationId xmlns:p14="http://schemas.microsoft.com/office/powerpoint/2010/main" val="1070438365"/>
+        <p14:creationId xmlns:p14="http://schemas.microsoft.com/office/powerpoint/2010/main" val="3410388466"/>
       </p:ext>
     </p:extLst>
   </p:cSld>
@@ -7705,7 +7593,7 @@
           <a:p>
             <a:r>
               <a:rPr lang="fr-FR" dirty="0"/>
-              <a:t>Démarrage</a:t>
+              <a:t>HDFS</a:t>
             </a:r>
           </a:p>
         </p:txBody>
@@ -7726,98 +7614,104 @@
           <a:lstStyle/>
           <a:p>
             <a:r>
-              <a:rPr lang="fr-FR" dirty="0"/>
-              <a:t>Dans </a:t>
-            </a:r>
-            <a:r>
-              <a:rPr lang="fr-FR" dirty="0" err="1"/>
-              <a:t>hadoop</a:t>
-            </a:r>
-            <a:r>
-              <a:rPr lang="fr-FR" dirty="0"/>
-              <a:t>/</a:t>
-            </a:r>
-            <a:r>
-              <a:rPr lang="fr-FR" dirty="0" err="1"/>
-              <a:t>sbin</a:t>
-            </a:r>
-            <a:endParaRPr lang="fr-FR" dirty="0"/>
-          </a:p>
-          <a:p>
-            <a:r>
-              <a:rPr lang="fr-FR" dirty="0"/>
-              <a:t>Nécessite Java</a:t>
-            </a:r>
-          </a:p>
-          <a:p>
-            <a:r>
-              <a:rPr lang="fr-FR" dirty="0"/>
-              <a:t>Commandes HDFS</a:t>
+              <a:rPr lang="fr-FR" sz="2000" dirty="0"/>
+              <a:t>HDFS est un système de fichiers distribué</a:t>
+            </a:r>
+          </a:p>
+          <a:p>
+            <a:r>
+              <a:rPr lang="fr-FR" sz="2000" dirty="0"/>
+              <a:t>Dans un cluster, où les données et les services sont stockées sur plusieurs machines différentes, HDFS fonctionne selon un principe maître/esclaves classique</a:t>
             </a:r>
           </a:p>
           <a:p>
             <a:pPr lvl="1"/>
             <a:r>
-              <a:rPr lang="fr-FR" dirty="0" err="1"/>
-              <a:t>hdfs</a:t>
-            </a:r>
-            <a:r>
-              <a:rPr lang="fr-FR" dirty="0"/>
-              <a:t> </a:t>
-            </a:r>
-            <a:r>
-              <a:rPr lang="fr-FR" dirty="0" err="1"/>
+              <a:rPr lang="fr-FR" sz="1800" dirty="0"/>
+              <a:t>Les données y sont stockées sur les </a:t>
+            </a:r>
+            <a:r>
+              <a:rPr lang="fr-FR" sz="1800" dirty="0" err="1"/>
+              <a:t>datanodes</a:t>
+            </a:r>
+            <a:r>
+              <a:rPr lang="fr-FR" sz="1800" dirty="0"/>
+              <a:t> (esclaves)</a:t>
+            </a:r>
+          </a:p>
+          <a:p>
+            <a:pPr lvl="1"/>
+            <a:r>
+              <a:rPr lang="fr-FR" sz="1800" dirty="0"/>
+              <a:t>tandis que les localisations des blocs de données sont répertoriées par le </a:t>
+            </a:r>
+            <a:r>
+              <a:rPr lang="fr-FR" sz="1800" dirty="0" err="1"/>
               <a:t>namenode</a:t>
             </a:r>
             <a:r>
-              <a:rPr lang="fr-FR" dirty="0"/>
-              <a:t> –format</a:t>
+              <a:rPr lang="fr-FR" sz="1800" dirty="0"/>
+              <a:t> (maître).</a:t>
+            </a:r>
+          </a:p>
+          <a:p>
+            <a:r>
+              <a:rPr lang="fr-FR" sz="2000" dirty="0"/>
+              <a:t>Chaque fichier est décomposé en blocs de taille maximale fixe</a:t>
             </a:r>
           </a:p>
           <a:p>
             <a:pPr lvl="1"/>
             <a:r>
-              <a:rPr lang="fr-FR" dirty="0" err="1"/>
-              <a:t>hdfs</a:t>
-            </a:r>
-            <a:r>
-              <a:rPr lang="fr-FR" dirty="0"/>
-              <a:t> </a:t>
-            </a:r>
-            <a:r>
-              <a:rPr lang="fr-FR" dirty="0" err="1"/>
-              <a:t>dfs</a:t>
-            </a:r>
-            <a:r>
-              <a:rPr lang="fr-FR" dirty="0"/>
-              <a:t> -</a:t>
-            </a:r>
-            <a:r>
-              <a:rPr lang="fr-FR" dirty="0" err="1"/>
-              <a:t>ls</a:t>
-            </a:r>
-            <a:r>
-              <a:rPr lang="fr-FR" dirty="0"/>
-              <a:t> /</a:t>
-            </a:r>
-          </a:p>
-          <a:p>
-            <a:pPr lvl="1"/>
-            <a:r>
-              <a:rPr lang="fr-FR" dirty="0" err="1"/>
-              <a:t>hdfs</a:t>
-            </a:r>
-            <a:r>
-              <a:rPr lang="fr-FR" dirty="0"/>
-              <a:t> </a:t>
-            </a:r>
-            <a:r>
-              <a:rPr lang="fr-FR" dirty="0" err="1"/>
-              <a:t>dfs</a:t>
-            </a:r>
-            <a:r>
-              <a:rPr lang="fr-FR" dirty="0"/>
-              <a:t> -put /d:/hello.txt /</a:t>
+              <a:rPr lang="fr-FR" sz="1800" dirty="0"/>
+              <a:t>Par défaut, cette taille est de 64 Mo</a:t>
+            </a:r>
+          </a:p>
+          <a:p>
+            <a:r>
+              <a:rPr lang="fr-FR" sz="2000" dirty="0"/>
+              <a:t>Ces blocs seront répartis de manière redondante sur les différents data </a:t>
+            </a:r>
+            <a:r>
+              <a:rPr lang="fr-FR" sz="2000" dirty="0" err="1"/>
+              <a:t>nodes</a:t>
+            </a:r>
+            <a:endParaRPr lang="fr-FR" sz="2000" dirty="0"/>
+          </a:p>
+          <a:p>
+            <a:r>
+              <a:rPr lang="fr-FR" sz="2000" dirty="0"/>
+              <a:t>C'est le </a:t>
+            </a:r>
+            <a:r>
+              <a:rPr lang="fr-FR" sz="2000" dirty="0" err="1"/>
+              <a:t>namenode</a:t>
+            </a:r>
+            <a:r>
+              <a:rPr lang="fr-FR" sz="2000" dirty="0"/>
+              <a:t> qui sait comment sont décomposés les fichiers et sur quels </a:t>
+            </a:r>
+            <a:r>
+              <a:rPr lang="fr-FR" sz="2000" dirty="0" err="1"/>
+              <a:t>datanodes</a:t>
+            </a:r>
+            <a:r>
+              <a:rPr lang="fr-FR" sz="2000" dirty="0"/>
+              <a:t> sont stockés ces blocs</a:t>
+            </a:r>
+          </a:p>
+          <a:p>
+            <a:r>
+              <a:rPr lang="fr-FR" sz="2000" dirty="0"/>
+              <a:t>Limite théorique de 512 </a:t>
+            </a:r>
+            <a:r>
+              <a:rPr lang="fr-FR" sz="2000" dirty="0" err="1"/>
+              <a:t>Yo</a:t>
+            </a:r>
+            <a:r>
+              <a:rPr lang="fr-FR" sz="2000" dirty="0"/>
+              <a:t> (10^12 To)</a:t>
             </a:r>
           </a:p>
         </p:txBody>
@@ -7825,7 +7719,7 @@
     </p:spTree>
     <p:extLst>
       <p:ext uri="{BB962C8B-B14F-4D97-AF65-F5344CB8AC3E}">
-        <p14:creationId xmlns:p14="http://schemas.microsoft.com/office/powerpoint/2010/main" val="3410388466"/>
+        <p14:creationId xmlns:p14="http://schemas.microsoft.com/office/powerpoint/2010/main" val="1283226762"/>
       </p:ext>
     </p:extLst>
   </p:cSld>
@@ -7890,112 +7784,51 @@
           <a:lstStyle/>
           <a:p>
             <a:r>
-              <a:rPr lang="fr-FR" sz="2000" dirty="0"/>
-              <a:t>HDFS est un système de fichiers distribué</a:t>
-            </a:r>
-          </a:p>
-          <a:p>
-            <a:r>
-              <a:rPr lang="fr-FR" sz="2000" dirty="0"/>
-              <a:t>Dans un cluster, où les données et les services sont stockées sur plusieurs machines différentes, HDFS fonctionne selon un principe maître/esclaves classique</a:t>
-            </a:r>
-          </a:p>
-          <a:p>
-            <a:pPr lvl="1"/>
-            <a:r>
-              <a:rPr lang="fr-FR" sz="1800" dirty="0"/>
-              <a:t>Les données y sont stockées sur les </a:t>
-            </a:r>
-            <a:r>
-              <a:rPr lang="fr-FR" sz="1800" dirty="0" err="1"/>
+              <a:rPr lang="fr-FR" dirty="0"/>
+              <a:t>En fonctionnement nominal, chaque bloc est stocké sur deux </a:t>
+            </a:r>
+            <a:r>
+              <a:rPr lang="fr-FR" dirty="0" err="1"/>
               <a:t>datanodes</a:t>
             </a:r>
             <a:r>
-              <a:rPr lang="fr-FR" sz="1800" dirty="0"/>
-              <a:t> (esclaves)</a:t>
-            </a:r>
-          </a:p>
-          <a:p>
-            <a:pPr lvl="1"/>
-            <a:r>
-              <a:rPr lang="fr-FR" sz="1800" dirty="0"/>
-              <a:t>tandis que les localisations des blocs de données sont répertoriées par le </a:t>
-            </a:r>
-            <a:r>
-              <a:rPr lang="fr-FR" sz="1800" dirty="0" err="1"/>
-              <a:t>namenode</a:t>
-            </a:r>
-            <a:r>
-              <a:rPr lang="fr-FR" sz="1800" dirty="0"/>
-              <a:t> (maître).</a:t>
-            </a:r>
-          </a:p>
-          <a:p>
-            <a:r>
-              <a:rPr lang="fr-FR" sz="2000" dirty="0"/>
-              <a:t>Chaque fichier est décomposé en blocs de taille maximale fixe</a:t>
-            </a:r>
-          </a:p>
-          <a:p>
-            <a:pPr lvl="1"/>
-            <a:r>
-              <a:rPr lang="fr-FR" sz="1800" dirty="0"/>
-              <a:t>Par défaut, cette taille est de 64 Mo</a:t>
-            </a:r>
-          </a:p>
-          <a:p>
-            <a:r>
-              <a:rPr lang="fr-FR" sz="2000" dirty="0"/>
-              <a:t>Ces blocs seront répartis de manière redondante sur les différents data </a:t>
-            </a:r>
-            <a:r>
-              <a:rPr lang="fr-FR" sz="2000" dirty="0" err="1"/>
-              <a:t>nodes</a:t>
-            </a:r>
-            <a:endParaRPr lang="fr-FR" sz="2000" dirty="0"/>
-          </a:p>
-          <a:p>
-            <a:r>
-              <a:rPr lang="fr-FR" sz="2000" dirty="0"/>
-              <a:t>C'est le </a:t>
-            </a:r>
-            <a:r>
-              <a:rPr lang="fr-FR" sz="2000" dirty="0" err="1"/>
-              <a:t>namenode</a:t>
-            </a:r>
-            <a:r>
-              <a:rPr lang="fr-FR" sz="2000" dirty="0"/>
-              <a:t> qui sait comment sont décomposés les fichiers et sur quels </a:t>
-            </a:r>
-            <a:r>
-              <a:rPr lang="fr-FR" sz="2000" dirty="0" err="1"/>
-              <a:t>datanodes</a:t>
-            </a:r>
-            <a:r>
-              <a:rPr lang="fr-FR" sz="2000" dirty="0"/>
-              <a:t> sont stockés ces blocs</a:t>
-            </a:r>
-          </a:p>
-          <a:p>
-            <a:r>
-              <a:rPr lang="fr-FR" sz="2000" dirty="0"/>
-              <a:t>Limite théorique de 512 </a:t>
-            </a:r>
-            <a:r>
-              <a:rPr lang="fr-FR" sz="2000" dirty="0" err="1"/>
-              <a:t>Yo</a:t>
-            </a:r>
-            <a:r>
-              <a:rPr lang="fr-FR" sz="2000" dirty="0"/>
-              <a:t> (10^12 To)</a:t>
-            </a:r>
+              <a:rPr lang="fr-FR" dirty="0"/>
+              <a:t> différents</a:t>
+            </a:r>
+          </a:p>
+          <a:p>
+            <a:endParaRPr lang="fr-FR" dirty="0"/>
           </a:p>
         </p:txBody>
       </p:sp>
+      <p:pic>
+        <p:nvPicPr>
+          <p:cNvPr id="4" name="Image 3"/>
+          <p:cNvPicPr>
+            <a:picLocks noChangeAspect="1"/>
+          </p:cNvPicPr>
+          <p:nvPr/>
+        </p:nvPicPr>
+        <p:blipFill>
+          <a:blip r:embed="rId2"/>
+          <a:stretch>
+            <a:fillRect/>
+          </a:stretch>
+        </p:blipFill>
+        <p:spPr>
+          <a:xfrm>
+            <a:off x="1835696" y="2564904"/>
+            <a:ext cx="5043463" cy="3554864"/>
+          </a:xfrm>
+          <a:prstGeom prst="rect">
+            <a:avLst/>
+          </a:prstGeom>
+        </p:spPr>
+      </p:pic>
     </p:spTree>
     <p:extLst>
       <p:ext uri="{BB962C8B-B14F-4D97-AF65-F5344CB8AC3E}">
-        <p14:creationId xmlns:p14="http://schemas.microsoft.com/office/powerpoint/2010/main" val="1283226762"/>
+        <p14:creationId xmlns:p14="http://schemas.microsoft.com/office/powerpoint/2010/main" val="188589265"/>
       </p:ext>
     </p:extLst>
   </p:cSld>
@@ -8061,7 +7894,7 @@
           <a:p>
             <a:r>
               <a:rPr lang="fr-FR" dirty="0"/>
-              <a:t>En fonctionnement nominal, chaque bloc est stocké sur deux </a:t>
+              <a:t>Les </a:t>
             </a:r>
             <a:r>
               <a:rPr lang="fr-FR" dirty="0" err="1"/>
@@ -8069,42 +7902,29 @@
             </a:r>
             <a:r>
               <a:rPr lang="fr-FR" dirty="0"/>
-              <a:t> différents</a:t>
-            </a:r>
-          </a:p>
-          <a:p>
-            <a:endParaRPr lang="fr-FR" dirty="0"/>
+              <a:t> ont très peu d'intelligence et ils ne servent qu'à stocker les données</a:t>
+            </a:r>
+          </a:p>
+          <a:p>
+            <a:r>
+              <a:rPr lang="fr-FR" dirty="0"/>
+              <a:t>Les adresses des blocs ainsi que les noms des fichiers sont tous stockés par le </a:t>
+            </a:r>
+            <a:r>
+              <a:rPr lang="fr-FR" dirty="0" err="1"/>
+              <a:t>namenode</a:t>
+            </a:r>
+            <a:r>
+              <a:rPr lang="fr-FR" dirty="0"/>
+              <a:t>, dont le rôle est critique</a:t>
+            </a:r>
           </a:p>
         </p:txBody>
       </p:sp>
-      <p:pic>
-        <p:nvPicPr>
-          <p:cNvPr id="4" name="Image 3"/>
-          <p:cNvPicPr>
-            <a:picLocks noChangeAspect="1"/>
-          </p:cNvPicPr>
-          <p:nvPr/>
-        </p:nvPicPr>
-        <p:blipFill>
-          <a:blip r:embed="rId2"/>
-          <a:stretch>
-            <a:fillRect/>
-          </a:stretch>
-        </p:blipFill>
-        <p:spPr>
-          <a:xfrm>
-            <a:off x="1835696" y="2564904"/>
-            <a:ext cx="5043463" cy="3554864"/>
-          </a:xfrm>
-          <a:prstGeom prst="rect">
-            <a:avLst/>
-          </a:prstGeom>
-        </p:spPr>
-      </p:pic>
     </p:spTree>
     <p:extLst>
       <p:ext uri="{BB962C8B-B14F-4D97-AF65-F5344CB8AC3E}">
-        <p14:creationId xmlns:p14="http://schemas.microsoft.com/office/powerpoint/2010/main" val="188589265"/>
+        <p14:creationId xmlns:p14="http://schemas.microsoft.com/office/powerpoint/2010/main" val="121197855"/>
       </p:ext>
     </p:extLst>
   </p:cSld>
@@ -8148,7 +7968,7 @@
           <a:p>
             <a:r>
               <a:rPr lang="fr-FR" dirty="0"/>
-              <a:t>HDFS</a:t>
+              <a:t>Exemple HDFS</a:t>
             </a:r>
           </a:p>
         </p:txBody>
@@ -8170,7 +7990,75 @@
           <a:p>
             <a:r>
               <a:rPr lang="fr-FR" dirty="0"/>
-              <a:t>Les </a:t>
+              <a:t>Détaillons ce qui se passe lorsqu'un client (nommé Jules) veut lire un fichier stocké dans HDFS :</a:t>
+            </a:r>
+          </a:p>
+          <a:p>
+            <a:pPr lvl="1"/>
+            <a:r>
+              <a:rPr lang="fr-FR" dirty="0"/>
+              <a:t>Jules indique au </a:t>
+            </a:r>
+            <a:r>
+              <a:rPr lang="fr-FR" dirty="0" err="1"/>
+              <a:t>namenode</a:t>
+            </a:r>
+            <a:r>
+              <a:rPr lang="fr-FR" dirty="0"/>
+              <a:t> qu'il souhaite lire un fichier.</a:t>
+            </a:r>
+          </a:p>
+          <a:p>
+            <a:pPr lvl="1"/>
+            <a:r>
+              <a:rPr lang="fr-FR" dirty="0"/>
+              <a:t>Le </a:t>
+            </a:r>
+            <a:r>
+              <a:rPr lang="fr-FR" dirty="0" err="1"/>
+              <a:t>name</a:t>
+            </a:r>
+            <a:r>
+              <a:rPr lang="fr-FR" dirty="0"/>
+              <a:t> </a:t>
+            </a:r>
+            <a:r>
+              <a:rPr lang="fr-FR" dirty="0" err="1"/>
+              <a:t>node</a:t>
+            </a:r>
+            <a:r>
+              <a:rPr lang="fr-FR" dirty="0"/>
+              <a:t> indique à Jules la taille du fichier ainsi que les différents data </a:t>
+            </a:r>
+            <a:r>
+              <a:rPr lang="fr-FR" dirty="0" err="1"/>
+              <a:t>nodes</a:t>
+            </a:r>
+            <a:r>
+              <a:rPr lang="fr-FR" dirty="0"/>
+              <a:t> contenant les blocs qui composent ce fichier.</a:t>
+            </a:r>
+          </a:p>
+          <a:p>
+            <a:pPr lvl="1"/>
+            <a:r>
+              <a:rPr lang="fr-FR" dirty="0"/>
+              <a:t>Jules récupère chacun des blocs sur l'un des data </a:t>
+            </a:r>
+            <a:r>
+              <a:rPr lang="fr-FR" dirty="0" err="1"/>
+              <a:t>nodes</a:t>
+            </a:r>
+            <a:r>
+              <a:rPr lang="fr-FR" dirty="0"/>
+              <a:t>.</a:t>
+            </a:r>
+          </a:p>
+          <a:p>
+            <a:pPr lvl="1"/>
+            <a:r>
+              <a:rPr lang="fr-FR" dirty="0"/>
+              <a:t>Si un des </a:t>
             </a:r>
             <a:r>
               <a:rPr lang="fr-FR" dirty="0" err="1"/>
@@ -8178,29 +8066,18 @@
             </a:r>
             <a:r>
               <a:rPr lang="fr-FR" dirty="0"/>
-              <a:t> ont très peu d'intelligence et ils ne servent qu'à stocker les données</a:t>
-            </a:r>
-          </a:p>
-          <a:p>
-            <a:r>
-              <a:rPr lang="fr-FR" dirty="0"/>
-              <a:t>Les adresses des blocs ainsi que les noms des fichiers sont tous stockés par le </a:t>
-            </a:r>
-            <a:r>
-              <a:rPr lang="fr-FR" dirty="0" err="1"/>
-              <a:t>namenode</a:t>
-            </a:r>
-            <a:r>
-              <a:rPr lang="fr-FR" dirty="0"/>
-              <a:t>, dont le rôle est critique</a:t>
-            </a:r>
+              <a:t> est indisponible, Jules en contacte un autre.</a:t>
+            </a:r>
+          </a:p>
+          <a:p>
+            <a:endParaRPr lang="fr-FR" dirty="0"/>
           </a:p>
         </p:txBody>
       </p:sp>
     </p:spTree>
     <p:extLst>
       <p:ext uri="{BB962C8B-B14F-4D97-AF65-F5344CB8AC3E}">
-        <p14:creationId xmlns:p14="http://schemas.microsoft.com/office/powerpoint/2010/main" val="121197855"/>
+        <p14:creationId xmlns:p14="http://schemas.microsoft.com/office/powerpoint/2010/main" val="1501349279"/>
       </p:ext>
     </p:extLst>
   </p:cSld>
@@ -8249,111 +8126,53 @@
           </a:p>
         </p:txBody>
       </p:sp>
-      <p:sp>
-        <p:nvSpPr>
-          <p:cNvPr id="3" name="Espace réservé du contenu 2"/>
-          <p:cNvSpPr>
-            <a:spLocks noGrp="1"/>
-          </p:cNvSpPr>
+      <p:pic>
+        <p:nvPicPr>
+          <p:cNvPr id="2050" name="Picture 2" descr="https://user.oc-static.com/upload/2017/08/03/15017751645123_hdfs-read.jpeg"/>
+          <p:cNvPicPr>
+            <a:picLocks noGrp="1" noChangeAspect="1" noChangeArrowheads="1"/>
+          </p:cNvPicPr>
           <p:nvPr>
             <p:ph idx="1"/>
           </p:nvPr>
-        </p:nvSpPr>
-        <p:spPr/>
-        <p:txBody>
-          <a:bodyPr/>
-          <a:lstStyle/>
-          <a:p>
-            <a:r>
-              <a:rPr lang="fr-FR" dirty="0"/>
-              <a:t>Détaillons ce qui se passe lorsqu'un client (nommé Jules) veut lire un fichier stocké dans HDFS :</a:t>
-            </a:r>
-          </a:p>
-          <a:p>
-            <a:pPr lvl="1"/>
-            <a:r>
-              <a:rPr lang="fr-FR" dirty="0"/>
-              <a:t>Jules indique au </a:t>
-            </a:r>
-            <a:r>
-              <a:rPr lang="fr-FR" dirty="0" err="1"/>
-              <a:t>namenode</a:t>
-            </a:r>
-            <a:r>
-              <a:rPr lang="fr-FR" dirty="0"/>
-              <a:t> qu'il souhaite lire un fichier.</a:t>
-            </a:r>
-          </a:p>
-          <a:p>
-            <a:pPr lvl="1"/>
-            <a:r>
-              <a:rPr lang="fr-FR" dirty="0"/>
-              <a:t>Le </a:t>
-            </a:r>
-            <a:r>
-              <a:rPr lang="fr-FR" dirty="0" err="1"/>
-              <a:t>name</a:t>
-            </a:r>
-            <a:r>
-              <a:rPr lang="fr-FR" dirty="0"/>
-              <a:t> </a:t>
-            </a:r>
-            <a:r>
-              <a:rPr lang="fr-FR" dirty="0" err="1"/>
-              <a:t>node</a:t>
-            </a:r>
-            <a:r>
-              <a:rPr lang="fr-FR" dirty="0"/>
-              <a:t> indique à Jules la taille du fichier ainsi que les différents data </a:t>
-            </a:r>
-            <a:r>
-              <a:rPr lang="fr-FR" dirty="0" err="1"/>
-              <a:t>nodes</a:t>
-            </a:r>
-            <a:r>
-              <a:rPr lang="fr-FR" dirty="0"/>
-              <a:t> contenant les blocs qui composent ce fichier.</a:t>
-            </a:r>
-          </a:p>
-          <a:p>
-            <a:pPr lvl="1"/>
-            <a:r>
-              <a:rPr lang="fr-FR" dirty="0"/>
-              <a:t>Jules récupère chacun des blocs sur l'un des data </a:t>
-            </a:r>
-            <a:r>
-              <a:rPr lang="fr-FR" dirty="0" err="1"/>
-              <a:t>nodes</a:t>
-            </a:r>
-            <a:r>
-              <a:rPr lang="fr-FR" dirty="0"/>
-              <a:t>.</a:t>
-            </a:r>
-          </a:p>
-          <a:p>
-            <a:pPr lvl="1"/>
-            <a:r>
-              <a:rPr lang="fr-FR" dirty="0"/>
-              <a:t>Si un des </a:t>
-            </a:r>
-            <a:r>
-              <a:rPr lang="fr-FR" dirty="0" err="1"/>
-              <a:t>datanodes</a:t>
-            </a:r>
-            <a:r>
-              <a:rPr lang="fr-FR" dirty="0"/>
-              <a:t> est indisponible, Jules en contacte un autre.</a:t>
-            </a:r>
-          </a:p>
-          <a:p>
-            <a:endParaRPr lang="fr-FR" dirty="0"/>
-          </a:p>
-        </p:txBody>
-      </p:sp>
+        </p:nvPicPr>
+        <p:blipFill>
+          <a:blip r:embed="rId2">
+            <a:extLst>
+              <a:ext uri="{28A0092B-C50C-407E-A947-70E740481C1C}">
+                <a14:useLocalDpi xmlns:a14="http://schemas.microsoft.com/office/drawing/2010/main" val="0"/>
+              </a:ext>
+            </a:extLst>
+          </a:blip>
+          <a:srcRect/>
+          <a:stretch>
+            <a:fillRect/>
+          </a:stretch>
+        </p:blipFill>
+        <p:spPr bwMode="auto">
+          <a:xfrm>
+            <a:off x="1032295" y="1412875"/>
+            <a:ext cx="7060360" cy="5040313"/>
+          </a:xfrm>
+          <a:prstGeom prst="rect">
+            <a:avLst/>
+          </a:prstGeom>
+          <a:noFill/>
+          <a:extLst>
+            <a:ext uri="{909E8E84-426E-40DD-AFC4-6F175D3DCCD1}">
+              <a14:hiddenFill xmlns:a14="http://schemas.microsoft.com/office/drawing/2010/main">
+                <a:solidFill>
+                  <a:srgbClr val="FFFFFF"/>
+                </a:solidFill>
+              </a14:hiddenFill>
+            </a:ext>
+          </a:extLst>
+        </p:spPr>
+      </p:pic>
     </p:spTree>
     <p:extLst>
       <p:ext uri="{BB962C8B-B14F-4D97-AF65-F5344CB8AC3E}">
-        <p14:creationId xmlns:p14="http://schemas.microsoft.com/office/powerpoint/2010/main" val="1501349279"/>
+        <p14:creationId xmlns:p14="http://schemas.microsoft.com/office/powerpoint/2010/main" val="2528241978"/>
       </p:ext>
     </p:extLst>
   </p:cSld>

--- a/ppt/BigData06-Hadoop.pptx
+++ b/ppt/BigData06-Hadoop.pptx
@@ -7261,12 +7261,8 @@
           </a:p>
           <a:p>
             <a:r>
-              <a:rPr lang="fr-FR" dirty="0" err="1"/>
-              <a:t>Possèble</a:t>
-            </a:r>
-            <a:r>
               <a:rPr lang="fr-FR" dirty="0"/>
-              <a:t> un ETL pour importer et exporter des données depuis un système classique</a:t>
+              <a:t>Possède un ETL pour importer et exporter des données depuis un système classique</a:t>
             </a:r>
           </a:p>
           <a:p>
